--- a/PPT/finel ppt.pptx
+++ b/PPT/finel ppt.pptx
@@ -148,6 +148,33 @@
     </p:ext>
   </p:extLst>
 </p:presentation>
+</file>
+
+<file path=ppt/ink/ink1.xml><?xml version="1.0" encoding="utf-8"?>
+<inkml:ink xmlns:inkml="http://www.w3.org/2003/InkML">
+  <inkml:definitions>
+    <inkml:context xml:id="ctx0">
+      <inkml:inkSource xml:id="inkSrc0">
+        <inkml:traceFormat>
+          <inkml:channel name="X" type="integer" min="-2.14748E9" max="2.14748E9" units="cm"/>
+          <inkml:channel name="Y" type="integer" min="-2.14748E9" max="2.14748E9" units="cm"/>
+          <inkml:channel name="F" type="integer" max="32767" units="dev"/>
+        </inkml:traceFormat>
+        <inkml:channelProperties>
+          <inkml:channelProperty channel="X" name="resolution" value="1000" units="1/cm"/>
+          <inkml:channelProperty channel="Y" name="resolution" value="1000" units="1/cm"/>
+          <inkml:channelProperty channel="F" name="resolution" value="0" units="1/dev"/>
+        </inkml:channelProperties>
+      </inkml:inkSource>
+      <inkml:timestamp xml:id="ts0" timeString="2025-11-07T06:18:52.987"/>
+    </inkml:context>
+    <inkml:brush xml:id="br0">
+      <inkml:brushProperty name="width" value="0.035" units="cm"/>
+      <inkml:brushProperty name="height" value="0.035" units="cm"/>
+    </inkml:brush>
+  </inkml:definitions>
+  <inkml:trace contextRef="#ctx0" brushRef="#br0">1 1 24575,'0'0'-8191</inkml:trace>
+</inkml:ink>
 </file>
 
 <file path=ppt/notesMasters/notesMaster1.xml><?xml version="1.0" encoding="utf-8"?>
@@ -3932,7 +3959,7 @@
           <a:p>
             <a:pPr algn="ctr"/>
             <a:r>
-              <a:rPr lang="en-US" sz="3200" b="1">
+              <a:rPr lang="en-US" sz="3200" b="1" dirty="0">
                 <a:effectLst>
                   <a:outerShdw blurRad="38100" dist="38100" dir="2700000" algn="tl">
                     <a:srgbClr val="000000">
@@ -4005,20 +4032,12 @@
               <a:t>“</a:t>
             </a:r>
             <a:r>
-              <a:rPr lang="en-US" sz="3200" b="1" dirty="0" err="1">
-                <a:latin typeface="Times New Roman" panose="02020603050405020304" pitchFamily="18" charset="0"/>
-                <a:ea typeface="Calibri" panose="020F0502020204030204" pitchFamily="34" charset="0"/>
-                <a:cs typeface="Times New Roman" panose="02020603050405020304" pitchFamily="18" charset="0"/>
-              </a:rPr>
-              <a:t>VoiceVerse</a:t>
-            </a:r>
-            <a:r>
               <a:rPr lang="en-US" sz="3200" b="1" dirty="0">
                 <a:latin typeface="Times New Roman" panose="02020603050405020304" pitchFamily="18" charset="0"/>
                 <a:ea typeface="Calibri" panose="020F0502020204030204" pitchFamily="34" charset="0"/>
                 <a:cs typeface="Times New Roman" panose="02020603050405020304" pitchFamily="18" charset="0"/>
               </a:rPr>
-              <a:t> Translator – Real-Time AI-Powered Voice Translation System</a:t>
+              <a:t>Voice Verse Translator – Real-Time AI-Powered Voice Translation System</a:t>
             </a:r>
             <a:r>
               <a:rPr lang="en-IN" sz="3200" b="1" dirty="0">
@@ -4064,9 +4083,12 @@
               <a:lnSpc>
                 <a:spcPct val="100000"/>
               </a:lnSpc>
+              <a:spcBef>
+                <a:spcPts val="0"/>
+              </a:spcBef>
             </a:pPr>
             <a:r>
-              <a:rPr lang="en-IN" sz="1800" dirty="0">
+              <a:rPr lang="en-IN" dirty="0">
                 <a:latin typeface="Times New Roman" panose="02020603050405020304" pitchFamily="18" charset="0"/>
                 <a:ea typeface="Calibri" panose="020F0502020204030204" pitchFamily="34" charset="0"/>
                 <a:cs typeface="Times New Roman" panose="02020603050405020304" pitchFamily="18" charset="0"/>
@@ -4079,9 +4101,12 @@
               <a:lnSpc>
                 <a:spcPct val="100000"/>
               </a:lnSpc>
+              <a:spcBef>
+                <a:spcPts val="0"/>
+              </a:spcBef>
             </a:pPr>
             <a:r>
-              <a:rPr lang="en-IN" sz="1800" dirty="0">
+              <a:rPr lang="en-IN" dirty="0">
                 <a:latin typeface="Times New Roman" panose="02020603050405020304" pitchFamily="18" charset="0"/>
                 <a:ea typeface="Calibri" panose="020F0502020204030204" pitchFamily="34" charset="0"/>
                 <a:cs typeface="Times New Roman" panose="02020603050405020304" pitchFamily="18" charset="0"/>
@@ -4089,7 +4114,7 @@
               <a:t>Mr. </a:t>
             </a:r>
             <a:r>
-              <a:rPr lang="en-IN" sz="1800" dirty="0" err="1">
+              <a:rPr lang="en-IN" dirty="0" err="1">
                 <a:latin typeface="Times New Roman" panose="02020603050405020304" pitchFamily="18" charset="0"/>
                 <a:ea typeface="Calibri" panose="020F0502020204030204" pitchFamily="34" charset="0"/>
                 <a:cs typeface="Times New Roman" panose="02020603050405020304" pitchFamily="18" charset="0"/>
@@ -4097,7 +4122,7 @@
               <a:t>Bhaskare</a:t>
             </a:r>
             <a:r>
-              <a:rPr lang="en-IN" sz="1800" dirty="0">
+              <a:rPr lang="en-IN" dirty="0">
                 <a:latin typeface="Times New Roman" panose="02020603050405020304" pitchFamily="18" charset="0"/>
                 <a:ea typeface="Calibri" panose="020F0502020204030204" pitchFamily="34" charset="0"/>
                 <a:cs typeface="Times New Roman" panose="02020603050405020304" pitchFamily="18" charset="0"/>
@@ -4110,9 +4135,12 @@
               <a:lnSpc>
                 <a:spcPct val="100000"/>
               </a:lnSpc>
+              <a:spcBef>
+                <a:spcPts val="0"/>
+              </a:spcBef>
             </a:pPr>
             <a:r>
-              <a:rPr lang="en-IN" sz="1800" dirty="0">
+              <a:rPr lang="en-IN" dirty="0">
                 <a:latin typeface="Times New Roman" panose="02020603050405020304" pitchFamily="18" charset="0"/>
                 <a:ea typeface="Calibri" panose="020F0502020204030204" pitchFamily="34" charset="0"/>
                 <a:cs typeface="Times New Roman" panose="02020603050405020304" pitchFamily="18" charset="0"/>
@@ -4125,9 +4153,12 @@
               <a:lnSpc>
                 <a:spcPct val="100000"/>
               </a:lnSpc>
+              <a:spcBef>
+                <a:spcPts val="0"/>
+              </a:spcBef>
             </a:pPr>
             <a:r>
-              <a:rPr lang="en-IN" sz="1800" dirty="0">
+              <a:rPr lang="en-IN" dirty="0">
                 <a:latin typeface="Times New Roman" panose="02020603050405020304" pitchFamily="18" charset="0"/>
                 <a:ea typeface="Calibri" panose="020F0502020204030204" pitchFamily="34" charset="0"/>
                 <a:cs typeface="Times New Roman" panose="02020603050405020304" pitchFamily="18" charset="0"/>
@@ -4229,6 +4260,57 @@
           </a:prstGeom>
         </p:spPr>
       </p:pic>
+      <mc:AlternateContent xmlns:mc="http://schemas.openxmlformats.org/markup-compatibility/2006" xmlns:p14="http://schemas.microsoft.com/office/powerpoint/2010/main">
+        <mc:Choice Requires="p14">
+          <p:contentPart p14:bwMode="auto" r:id="rId3">
+            <p14:nvContentPartPr>
+              <p14:cNvPr id="6" name="Ink 5">
+                <a:extLst>
+                  <a:ext uri="{FF2B5EF4-FFF2-40B4-BE49-F238E27FC236}">
+                    <a16:creationId xmlns:a16="http://schemas.microsoft.com/office/drawing/2014/main" id="{819394DC-9569-21CB-83D4-804810E5E7C0}"/>
+                  </a:ext>
+                </a:extLst>
+              </p14:cNvPr>
+              <p14:cNvContentPartPr/>
+              <p14:nvPr/>
+            </p14:nvContentPartPr>
+            <p14:xfrm>
+              <a:off x="4768394" y="2044870"/>
+              <a:ext cx="360" cy="360"/>
+            </p14:xfrm>
+          </p:contentPart>
+        </mc:Choice>
+        <mc:Fallback xmlns="">
+          <p:pic>
+            <p:nvPicPr>
+              <p:cNvPr id="6" name="Ink 5">
+                <a:extLst>
+                  <a:ext uri="{FF2B5EF4-FFF2-40B4-BE49-F238E27FC236}">
+                    <a16:creationId xmlns:a16="http://schemas.microsoft.com/office/drawing/2014/main" id="{819394DC-9569-21CB-83D4-804810E5E7C0}"/>
+                  </a:ext>
+                </a:extLst>
+              </p:cNvPr>
+              <p:cNvPicPr/>
+              <p:nvPr/>
+            </p:nvPicPr>
+            <p:blipFill>
+              <a:blip r:embed="rId4"/>
+              <a:stretch>
+                <a:fillRect/>
+              </a:stretch>
+            </p:blipFill>
+            <p:spPr>
+              <a:xfrm>
+                <a:off x="4762274" y="2038750"/>
+                <a:ext cx="12600" cy="12600"/>
+              </a:xfrm>
+              <a:prstGeom prst="rect">
+                <a:avLst/>
+              </a:prstGeom>
+            </p:spPr>
+          </p:pic>
+        </mc:Fallback>
+      </mc:AlternateContent>
     </p:spTree>
     <p:extLst>
       <p:ext uri="{BB962C8B-B14F-4D97-AF65-F5344CB8AC3E}">
@@ -4857,6 +4939,9 @@
   <p:clrMapOvr>
     <a:masterClrMapping/>
   </p:clrMapOvr>
+  <p:transition spd="slow">
+    <p:cover/>
+  </p:transition>
 </p:sld>
 </file>
 
@@ -5381,6 +5466,9 @@
   <p:clrMapOvr>
     <a:masterClrMapping/>
   </p:clrMapOvr>
+  <p:transition spd="slow">
+    <p:cover/>
+  </p:transition>
 </p:sld>
 </file>
 
@@ -5805,6 +5893,9 @@
   <p:clrMapOvr>
     <a:masterClrMapping/>
   </p:clrMapOvr>
+  <p:transition spd="slow">
+    <p:cover/>
+  </p:transition>
 </p:sld>
 </file>
 
@@ -6194,7 +6285,21 @@
                 <a:latin typeface="Times New Roman" panose="02020603050405020304" pitchFamily="18" charset="0"/>
                 <a:cs typeface="Times New Roman" panose="02020603050405020304" pitchFamily="18" charset="0"/>
               </a:rPr>
-              <a:t>, G. Biradar, A. Patole, and N. Attar, “Real Time Language Translator,” </a:t>
+              <a:t>, G. Biradar, A. Patole, and N. Attar, “</a:t>
+            </a:r>
+            <a:r>
+              <a:rPr lang="en-US" sz="1800" b="1" dirty="0">
+                <a:latin typeface="Times New Roman" panose="02020603050405020304" pitchFamily="18" charset="0"/>
+                <a:cs typeface="Times New Roman" panose="02020603050405020304" pitchFamily="18" charset="0"/>
+              </a:rPr>
+              <a:t>Real Time Language Translator,</a:t>
+            </a:r>
+            <a:r>
+              <a:rPr lang="en-US" sz="1800" dirty="0">
+                <a:latin typeface="Times New Roman" panose="02020603050405020304" pitchFamily="18" charset="0"/>
+                <a:cs typeface="Times New Roman" panose="02020603050405020304" pitchFamily="18" charset="0"/>
+              </a:rPr>
+              <a:t>” </a:t>
             </a:r>
             <a:r>
               <a:rPr lang="en-US" sz="1800" i="1" dirty="0">
@@ -6235,7 +6340,21 @@
                 <a:latin typeface="Times New Roman" panose="02020603050405020304" pitchFamily="18" charset="0"/>
                 <a:cs typeface="Times New Roman" panose="02020603050405020304" pitchFamily="18" charset="0"/>
               </a:rPr>
-              <a:t>, E. Sayyed, S. Jagdale, and R. Waghmare, “Real Time Voice Translator,” </a:t>
+              <a:t>, E. Sayyed, S. Jagdale, and R. Waghmare, “</a:t>
+            </a:r>
+            <a:r>
+              <a:rPr lang="en-US" sz="1800" b="1" dirty="0">
+                <a:latin typeface="Times New Roman" panose="02020603050405020304" pitchFamily="18" charset="0"/>
+                <a:cs typeface="Times New Roman" panose="02020603050405020304" pitchFamily="18" charset="0"/>
+              </a:rPr>
+              <a:t>Real Time Voice Translator</a:t>
+            </a:r>
+            <a:r>
+              <a:rPr lang="en-US" sz="1800" dirty="0">
+                <a:latin typeface="Times New Roman" panose="02020603050405020304" pitchFamily="18" charset="0"/>
+                <a:cs typeface="Times New Roman" panose="02020603050405020304" pitchFamily="18" charset="0"/>
+              </a:rPr>
+              <a:t>,” </a:t>
             </a:r>
             <a:r>
               <a:rPr lang="en-US" sz="1800" i="1" dirty="0">
@@ -6339,6 +6458,9 @@
   <p:clrMapOvr>
     <a:masterClrMapping/>
   </p:clrMapOvr>
+  <p:transition spd="slow">
+    <p:cover/>
+  </p:transition>
 </p:sld>
 </file>
 
@@ -6367,339 +6489,6 @@
           <a:chExt cx="0" cy="0"/>
         </a:xfrm>
       </p:grpSpPr>
-      <p:sp useBgFill="1">
-        <p:nvSpPr>
-          <p:cNvPr id="33" name="Rectangle 32">
-            <a:extLst>
-              <a:ext uri="{FF2B5EF4-FFF2-40B4-BE49-F238E27FC236}">
-                <a16:creationId xmlns:a16="http://schemas.microsoft.com/office/drawing/2014/main" id="{2B97F24A-32CE-4C1C-A50D-3016B394DCFB}"/>
-              </a:ext>
-              <a:ext uri="{C183D7F6-B498-43B3-948B-1728B52AA6E4}">
-                <adec:decorative xmlns:adec="http://schemas.microsoft.com/office/drawing/2017/decorative" val="1"/>
-              </a:ext>
-            </a:extLst>
-          </p:cNvPr>
-          <p:cNvSpPr>
-            <a:spLocks noGrp="1" noRot="1" noChangeAspect="1" noMove="1" noResize="1" noEditPoints="1" noAdjustHandles="1" noChangeArrowheads="1" noChangeShapeType="1" noTextEdit="1"/>
-          </p:cNvSpPr>
-          <p:nvPr>
-            <p:extLst>
-              <p:ext uri="{386F3935-93C4-4BCD-93E2-E3B085C9AB24}">
-                <p16:designElem xmlns:p16="http://schemas.microsoft.com/office/powerpoint/2015/main" val="1"/>
-              </p:ext>
-            </p:extLst>
-          </p:nvPr>
-        </p:nvSpPr>
-        <p:spPr>
-          <a:xfrm>
-            <a:off x="0" y="0"/>
-            <a:ext cx="12192000" cy="6858000"/>
-          </a:xfrm>
-          <a:prstGeom prst="rect">
-            <a:avLst/>
-          </a:prstGeom>
-          <a:ln>
-            <a:noFill/>
-          </a:ln>
-        </p:spPr>
-        <p:style>
-          <a:lnRef idx="2">
-            <a:schemeClr val="accent1">
-              <a:shade val="50000"/>
-            </a:schemeClr>
-          </a:lnRef>
-          <a:fillRef idx="1">
-            <a:schemeClr val="accent1"/>
-          </a:fillRef>
-          <a:effectRef idx="0">
-            <a:schemeClr val="accent1"/>
-          </a:effectRef>
-          <a:fontRef idx="minor">
-            <a:schemeClr val="lt1"/>
-          </a:fontRef>
-        </p:style>
-        <p:txBody>
-          <a:bodyPr rtlCol="0" anchor="ctr"/>
-          <a:lstStyle/>
-          <a:p>
-            <a:pPr algn="ctr"/>
-            <a:endParaRPr lang="en-US"/>
-          </a:p>
-        </p:txBody>
-      </p:sp>
-      <p:sp>
-        <p:nvSpPr>
-          <p:cNvPr id="35" name="sketch line">
-            <a:extLst>
-              <a:ext uri="{FF2B5EF4-FFF2-40B4-BE49-F238E27FC236}">
-                <a16:creationId xmlns:a16="http://schemas.microsoft.com/office/drawing/2014/main" id="{CD8B4F24-440B-49E9-B85D-733523DC064B}"/>
-              </a:ext>
-              <a:ext uri="{C183D7F6-B498-43B3-948B-1728B52AA6E4}">
-                <adec:decorative xmlns:adec="http://schemas.microsoft.com/office/drawing/2017/decorative" val="1"/>
-              </a:ext>
-            </a:extLst>
-          </p:cNvPr>
-          <p:cNvSpPr>
-            <a:spLocks noGrp="1" noRot="1" noChangeAspect="1" noMove="1" noResize="1" noEditPoints="1" noAdjustHandles="1" noChangeArrowheads="1" noChangeShapeType="1" noTextEdit="1"/>
-          </p:cNvSpPr>
-          <p:nvPr>
-            <p:extLst>
-              <p:ext uri="{386F3935-93C4-4BCD-93E2-E3B085C9AB24}">
-                <p16:designElem xmlns:p16="http://schemas.microsoft.com/office/powerpoint/2015/main" val="1"/>
-              </p:ext>
-            </p:extLst>
-          </p:nvPr>
-        </p:nvSpPr>
-        <p:spPr>
-          <a:xfrm>
-            <a:off x="643278" y="2573756"/>
-            <a:ext cx="3255095" cy="18288"/>
-          </a:xfrm>
-          <a:custGeom>
-            <a:avLst/>
-            <a:gdLst>
-              <a:gd name="connsiteX0" fmla="*/ 0 w 3255095"/>
-              <a:gd name="connsiteY0" fmla="*/ 0 h 18288"/>
-              <a:gd name="connsiteX1" fmla="*/ 618468 w 3255095"/>
-              <a:gd name="connsiteY1" fmla="*/ 0 h 18288"/>
-              <a:gd name="connsiteX2" fmla="*/ 1269487 w 3255095"/>
-              <a:gd name="connsiteY2" fmla="*/ 0 h 18288"/>
-              <a:gd name="connsiteX3" fmla="*/ 1953057 w 3255095"/>
-              <a:gd name="connsiteY3" fmla="*/ 0 h 18288"/>
-              <a:gd name="connsiteX4" fmla="*/ 2636627 w 3255095"/>
-              <a:gd name="connsiteY4" fmla="*/ 0 h 18288"/>
-              <a:gd name="connsiteX5" fmla="*/ 3255095 w 3255095"/>
-              <a:gd name="connsiteY5" fmla="*/ 0 h 18288"/>
-              <a:gd name="connsiteX6" fmla="*/ 3255095 w 3255095"/>
-              <a:gd name="connsiteY6" fmla="*/ 18288 h 18288"/>
-              <a:gd name="connsiteX7" fmla="*/ 2538974 w 3255095"/>
-              <a:gd name="connsiteY7" fmla="*/ 18288 h 18288"/>
-              <a:gd name="connsiteX8" fmla="*/ 1822853 w 3255095"/>
-              <a:gd name="connsiteY8" fmla="*/ 18288 h 18288"/>
-              <a:gd name="connsiteX9" fmla="*/ 1171834 w 3255095"/>
-              <a:gd name="connsiteY9" fmla="*/ 18288 h 18288"/>
-              <a:gd name="connsiteX10" fmla="*/ 0 w 3255095"/>
-              <a:gd name="connsiteY10" fmla="*/ 18288 h 18288"/>
-              <a:gd name="connsiteX11" fmla="*/ 0 w 3255095"/>
-              <a:gd name="connsiteY11" fmla="*/ 0 h 18288"/>
-            </a:gdLst>
-            <a:ahLst/>
-            <a:cxnLst>
-              <a:cxn ang="0">
-                <a:pos x="connsiteX0" y="connsiteY0"/>
-              </a:cxn>
-              <a:cxn ang="0">
-                <a:pos x="connsiteX1" y="connsiteY1"/>
-              </a:cxn>
-              <a:cxn ang="0">
-                <a:pos x="connsiteX2" y="connsiteY2"/>
-              </a:cxn>
-              <a:cxn ang="0">
-                <a:pos x="connsiteX3" y="connsiteY3"/>
-              </a:cxn>
-              <a:cxn ang="0">
-                <a:pos x="connsiteX4" y="connsiteY4"/>
-              </a:cxn>
-              <a:cxn ang="0">
-                <a:pos x="connsiteX5" y="connsiteY5"/>
-              </a:cxn>
-              <a:cxn ang="0">
-                <a:pos x="connsiteX6" y="connsiteY6"/>
-              </a:cxn>
-              <a:cxn ang="0">
-                <a:pos x="connsiteX7" y="connsiteY7"/>
-              </a:cxn>
-              <a:cxn ang="0">
-                <a:pos x="connsiteX8" y="connsiteY8"/>
-              </a:cxn>
-              <a:cxn ang="0">
-                <a:pos x="connsiteX9" y="connsiteY9"/>
-              </a:cxn>
-              <a:cxn ang="0">
-                <a:pos x="connsiteX10" y="connsiteY10"/>
-              </a:cxn>
-              <a:cxn ang="0">
-                <a:pos x="connsiteX11" y="connsiteY11"/>
-              </a:cxn>
-            </a:cxnLst>
-            <a:rect l="l" t="t" r="r" b="b"/>
-            <a:pathLst>
-              <a:path w="3255095" h="18288" fill="none" extrusionOk="0">
-                <a:moveTo>
-                  <a:pt x="0" y="0"/>
-                </a:moveTo>
-                <a:cubicBezTo>
-                  <a:pt x="240201" y="-22123"/>
-                  <a:pt x="462021" y="-19623"/>
-                  <a:pt x="618468" y="0"/>
-                </a:cubicBezTo>
-                <a:cubicBezTo>
-                  <a:pt x="774915" y="19623"/>
-                  <a:pt x="974734" y="2035"/>
-                  <a:pt x="1269487" y="0"/>
-                </a:cubicBezTo>
-                <a:cubicBezTo>
-                  <a:pt x="1564240" y="-2035"/>
-                  <a:pt x="1733579" y="10639"/>
-                  <a:pt x="1953057" y="0"/>
-                </a:cubicBezTo>
-                <a:cubicBezTo>
-                  <a:pt x="2172535" y="-10639"/>
-                  <a:pt x="2453962" y="14018"/>
-                  <a:pt x="2636627" y="0"/>
-                </a:cubicBezTo>
-                <a:cubicBezTo>
-                  <a:pt x="2819292" y="-14018"/>
-                  <a:pt x="3121375" y="5399"/>
-                  <a:pt x="3255095" y="0"/>
-                </a:cubicBezTo>
-                <a:cubicBezTo>
-                  <a:pt x="3254386" y="8157"/>
-                  <a:pt x="3254682" y="12125"/>
-                  <a:pt x="3255095" y="18288"/>
-                </a:cubicBezTo>
-                <a:cubicBezTo>
-                  <a:pt x="3088545" y="23203"/>
-                  <a:pt x="2687475" y="7419"/>
-                  <a:pt x="2538974" y="18288"/>
-                </a:cubicBezTo>
-                <a:cubicBezTo>
-                  <a:pt x="2390473" y="29157"/>
-                  <a:pt x="2137381" y="-8959"/>
-                  <a:pt x="1822853" y="18288"/>
-                </a:cubicBezTo>
-                <a:cubicBezTo>
-                  <a:pt x="1508325" y="45535"/>
-                  <a:pt x="1466437" y="20385"/>
-                  <a:pt x="1171834" y="18288"/>
-                </a:cubicBezTo>
-                <a:cubicBezTo>
-                  <a:pt x="877231" y="16191"/>
-                  <a:pt x="561097" y="37643"/>
-                  <a:pt x="0" y="18288"/>
-                </a:cubicBezTo>
-                <a:cubicBezTo>
-                  <a:pt x="-46" y="12483"/>
-                  <a:pt x="-203" y="6491"/>
-                  <a:pt x="0" y="0"/>
-                </a:cubicBezTo>
-                <a:close/>
-              </a:path>
-              <a:path w="3255095" h="18288" stroke="0" extrusionOk="0">
-                <a:moveTo>
-                  <a:pt x="0" y="0"/>
-                </a:moveTo>
-                <a:cubicBezTo>
-                  <a:pt x="291965" y="19429"/>
-                  <a:pt x="363155" y="8568"/>
-                  <a:pt x="618468" y="0"/>
-                </a:cubicBezTo>
-                <a:cubicBezTo>
-                  <a:pt x="873781" y="-8568"/>
-                  <a:pt x="904459" y="-19505"/>
-                  <a:pt x="1171834" y="0"/>
-                </a:cubicBezTo>
-                <a:cubicBezTo>
-                  <a:pt x="1439209" y="19505"/>
-                  <a:pt x="1744369" y="9790"/>
-                  <a:pt x="1887955" y="0"/>
-                </a:cubicBezTo>
-                <a:cubicBezTo>
-                  <a:pt x="2031541" y="-9790"/>
-                  <a:pt x="2346378" y="21240"/>
-                  <a:pt x="2506423" y="0"/>
-                </a:cubicBezTo>
-                <a:cubicBezTo>
-                  <a:pt x="2666468" y="-21240"/>
-                  <a:pt x="2990257" y="30414"/>
-                  <a:pt x="3255095" y="0"/>
-                </a:cubicBezTo>
-                <a:cubicBezTo>
-                  <a:pt x="3254831" y="4493"/>
-                  <a:pt x="3255479" y="9472"/>
-                  <a:pt x="3255095" y="18288"/>
-                </a:cubicBezTo>
-                <a:cubicBezTo>
-                  <a:pt x="3120743" y="16690"/>
-                  <a:pt x="2759628" y="42462"/>
-                  <a:pt x="2604076" y="18288"/>
-                </a:cubicBezTo>
-                <a:cubicBezTo>
-                  <a:pt x="2448524" y="-5886"/>
-                  <a:pt x="2184336" y="19599"/>
-                  <a:pt x="1887955" y="18288"/>
-                </a:cubicBezTo>
-                <a:cubicBezTo>
-                  <a:pt x="1591574" y="16977"/>
-                  <a:pt x="1548845" y="6870"/>
-                  <a:pt x="1334589" y="18288"/>
-                </a:cubicBezTo>
-                <a:cubicBezTo>
-                  <a:pt x="1120333" y="29706"/>
-                  <a:pt x="996014" y="9662"/>
-                  <a:pt x="683570" y="18288"/>
-                </a:cubicBezTo>
-                <a:cubicBezTo>
-                  <a:pt x="371126" y="26914"/>
-                  <a:pt x="198687" y="16167"/>
-                  <a:pt x="0" y="18288"/>
-                </a:cubicBezTo>
-                <a:cubicBezTo>
-                  <a:pt x="843" y="9577"/>
-                  <a:pt x="371" y="6900"/>
-                  <a:pt x="0" y="0"/>
-                </a:cubicBezTo>
-                <a:close/>
-              </a:path>
-            </a:pathLst>
-          </a:custGeom>
-          <a:solidFill>
-            <a:schemeClr val="accent2"/>
-          </a:solidFill>
-          <a:ln w="38100" cap="rnd">
-            <a:solidFill>
-              <a:schemeClr val="accent2"/>
-            </a:solidFill>
-            <a:round/>
-            <a:extLst>
-              <a:ext uri="{C807C97D-BFC1-408E-A445-0C87EB9F89A2}">
-                <ask:lineSketchStyleProps xmlns:ask="http://schemas.microsoft.com/office/drawing/2018/sketchyshapes" sd="1219033472">
-                  <a:prstGeom prst="rect">
-                    <a:avLst/>
-                  </a:prstGeom>
-                  <ask:type>
-                    <ask:lineSketchFreehand/>
-                  </ask:type>
-                </ask:lineSketchStyleProps>
-              </a:ext>
-            </a:extLst>
-          </a:ln>
-        </p:spPr>
-        <p:style>
-          <a:lnRef idx="2">
-            <a:schemeClr val="accent1">
-              <a:shade val="50000"/>
-            </a:schemeClr>
-          </a:lnRef>
-          <a:fillRef idx="1">
-            <a:schemeClr val="accent1"/>
-          </a:fillRef>
-          <a:effectRef idx="0">
-            <a:schemeClr val="accent1"/>
-          </a:effectRef>
-          <a:fontRef idx="minor">
-            <a:schemeClr val="lt1"/>
-          </a:fontRef>
-        </p:style>
-        <p:txBody>
-          <a:bodyPr rtlCol="0" anchor="ctr"/>
-          <a:lstStyle/>
-          <a:p>
-            <a:pPr algn="ctr"/>
-            <a:endParaRPr lang="en-US"/>
-          </a:p>
-        </p:txBody>
-      </p:sp>
       <p:sp>
         <p:nvSpPr>
           <p:cNvPr id="12" name="TextBox 11">
@@ -6804,6 +6593,18 @@
   <p:clrMapOvr>
     <a:masterClrMapping/>
   </p:clrMapOvr>
+  <mc:AlternateContent xmlns:mc="http://schemas.openxmlformats.org/markup-compatibility/2006" xmlns:p15="http://schemas.microsoft.com/office/powerpoint/2012/main">
+    <mc:Choice Requires="p15">
+      <p:transition xmlns:p14="http://schemas.microsoft.com/office/powerpoint/2010/main" spd="slow" p14:dur="1250">
+        <p15:prstTrans prst="airplane"/>
+      </p:transition>
+    </mc:Choice>
+    <mc:Fallback xmlns="">
+      <p:transition spd="slow">
+        <p:fade/>
+      </p:transition>
+    </mc:Fallback>
+  </mc:AlternateContent>
 </p:sld>
 </file>
 
@@ -6834,7 +6635,7 @@
       </p:grpSpPr>
       <p:sp useBgFill="1">
         <p:nvSpPr>
-          <p:cNvPr id="25" name="Rectangle 24">
+          <p:cNvPr id="34" name="Rectangle 33">
             <a:extLst>
               <a:ext uri="{FF2B5EF4-FFF2-40B4-BE49-F238E27FC236}">
                 <a16:creationId xmlns:a16="http://schemas.microsoft.com/office/drawing/2014/main" id="{907EF6B7-1338-4443-8C46-6A318D952DFD}"/>
@@ -6894,7 +6695,7 @@
       </p:sp>
       <p:sp>
         <p:nvSpPr>
-          <p:cNvPr id="27" name="Freeform: Shape 26">
+          <p:cNvPr id="61" name="Freeform: Shape 60">
             <a:extLst>
               <a:ext uri="{FF2B5EF4-FFF2-40B4-BE49-F238E27FC236}">
                 <a16:creationId xmlns:a16="http://schemas.microsoft.com/office/drawing/2014/main" id="{DAAE4CDD-124C-4DCF-9584-B6033B545DD5}"/>
@@ -7069,7 +6870,7 @@
       </p:sp>
       <p:sp>
         <p:nvSpPr>
-          <p:cNvPr id="29" name="Arc 28">
+          <p:cNvPr id="62" name="Arc 61">
             <a:extLst>
               <a:ext uri="{FF2B5EF4-FFF2-40B4-BE49-F238E27FC236}">
                 <a16:creationId xmlns:a16="http://schemas.microsoft.com/office/drawing/2014/main" id="{081E4A58-353D-44AE-B2FC-2A74E2E400F7}"/>
@@ -7146,8 +6947,8 @@
         </p:nvSpPr>
         <p:spPr>
           <a:xfrm>
-            <a:off x="4447308" y="591344"/>
-            <a:ext cx="6906491" cy="5585619"/>
+            <a:off x="4447308" y="0"/>
+            <a:ext cx="6906491" cy="6996223"/>
           </a:xfrm>
         </p:spPr>
         <p:txBody>
@@ -7171,7 +6972,7 @@
               <a:buChar char="Ø"/>
             </a:pPr>
             <a:r>
-              <a:rPr lang="en-US">
+              <a:rPr lang="en-US" sz="3200" dirty="0">
                 <a:latin typeface="Times New Roman" panose="02020603050405020304"/>
                 <a:ea typeface="Times New Roman" panose="02020603050405020304"/>
                 <a:cs typeface="Times New Roman" panose="02020603050405020304"/>
@@ -7196,7 +6997,7 @@
               <a:buChar char="Ø"/>
             </a:pPr>
             <a:r>
-              <a:rPr lang="en-US">
+              <a:rPr lang="en-US" sz="3200" dirty="0">
                 <a:latin typeface="Times New Roman" panose="02020603050405020304"/>
                 <a:ea typeface="Times New Roman" panose="02020603050405020304"/>
                 <a:cs typeface="Times New Roman" panose="02020603050405020304"/>
@@ -7221,7 +7022,7 @@
               <a:buChar char="Ø"/>
             </a:pPr>
             <a:r>
-              <a:rPr lang="en-US">
+              <a:rPr lang="en-US" sz="3200" dirty="0">
                 <a:latin typeface="Times New Roman" panose="02020603050405020304"/>
                 <a:ea typeface="Times New Roman" panose="02020603050405020304"/>
                 <a:cs typeface="Times New Roman" panose="02020603050405020304"/>
@@ -7246,7 +7047,7 @@
               <a:buChar char="Ø"/>
             </a:pPr>
             <a:r>
-              <a:rPr lang="en-US">
+              <a:rPr lang="en-US" sz="3200" dirty="0">
                 <a:latin typeface="Times New Roman" panose="02020603050405020304"/>
                 <a:ea typeface="Times New Roman" panose="02020603050405020304"/>
                 <a:cs typeface="Times New Roman" panose="02020603050405020304"/>
@@ -7271,7 +7072,7 @@
               <a:buChar char="Ø"/>
             </a:pPr>
             <a:r>
-              <a:rPr lang="en-US">
+              <a:rPr lang="en-US" sz="3200" dirty="0">
                 <a:latin typeface="Times New Roman" panose="02020603050405020304"/>
                 <a:ea typeface="Times New Roman" panose="02020603050405020304"/>
                 <a:cs typeface="Times New Roman" panose="02020603050405020304"/>
@@ -7296,14 +7097,14 @@
               <a:buChar char="Ø"/>
             </a:pPr>
             <a:r>
-              <a:rPr lang="en-US" altLang="en-US">
+              <a:rPr lang="en-US" altLang="en-US" sz="3200" dirty="0">
                 <a:latin typeface="Times New Roman" panose="02020603050405020304" charset="0"/>
                 <a:cs typeface="Times New Roman" panose="02020603050405020304" charset="0"/>
                 <a:sym typeface="+mn-ea"/>
               </a:rPr>
               <a:t>Methodology</a:t>
             </a:r>
-            <a:endParaRPr lang="en-US">
+            <a:endParaRPr lang="en-US" sz="3200" dirty="0">
               <a:latin typeface="Times New Roman" panose="02020603050405020304" charset="0"/>
               <a:ea typeface="Times New Roman" panose="02020603050405020304"/>
               <a:cs typeface="Times New Roman" panose="02020603050405020304" charset="0"/>
@@ -7326,7 +7127,7 @@
               <a:buChar char="Ø"/>
             </a:pPr>
             <a:r>
-              <a:rPr lang="en-US">
+              <a:rPr lang="en-US" sz="3200" dirty="0">
                 <a:latin typeface="Times New Roman" panose="02020603050405020304"/>
                 <a:ea typeface="Times New Roman" panose="02020603050405020304"/>
                 <a:cs typeface="Times New Roman" panose="02020603050405020304"/>
@@ -7351,7 +7152,7 @@
               <a:buChar char="Ø"/>
             </a:pPr>
             <a:r>
-              <a:rPr lang="en-US">
+              <a:rPr lang="en-US" sz="3200" dirty="0">
                 <a:latin typeface="Times New Roman" panose="02020603050405020304"/>
                 <a:ea typeface="Times New Roman" panose="02020603050405020304"/>
                 <a:cs typeface="Times New Roman" panose="02020603050405020304"/>
@@ -7376,7 +7177,7 @@
               <a:buChar char="Ø"/>
             </a:pPr>
             <a:r>
-              <a:rPr lang="en-US">
+              <a:rPr lang="en-US" sz="3200" dirty="0">
                 <a:latin typeface="Times New Roman" panose="02020603050405020304"/>
                 <a:ea typeface="Times New Roman" panose="02020603050405020304"/>
                 <a:cs typeface="Times New Roman" panose="02020603050405020304"/>
@@ -7401,7 +7202,7 @@
               <a:buChar char="Ø"/>
             </a:pPr>
             <a:r>
-              <a:rPr lang="en-US">
+              <a:rPr lang="en-US" sz="3200" dirty="0">
                 <a:latin typeface="Times New Roman" panose="02020603050405020304"/>
                 <a:ea typeface="Times New Roman" panose="02020603050405020304"/>
                 <a:cs typeface="Times New Roman" panose="02020603050405020304"/>
@@ -7426,7 +7227,7 @@
               <a:buChar char="Ø"/>
             </a:pPr>
             <a:r>
-              <a:rPr lang="en-US">
+              <a:rPr lang="en-US" sz="3200" dirty="0">
                 <a:latin typeface="Times New Roman" panose="02020603050405020304"/>
                 <a:ea typeface="Times New Roman" panose="02020603050405020304"/>
                 <a:cs typeface="Times New Roman" panose="02020603050405020304"/>
@@ -7447,6 +7248,9 @@
   <p:clrMapOvr>
     <a:masterClrMapping/>
   </p:clrMapOvr>
+  <p:transition spd="med">
+    <p:pull/>
+  </p:transition>
 </p:sld>
 </file>
 
@@ -7803,7 +7607,7 @@
         </p:nvSpPr>
         <p:spPr>
           <a:xfrm>
-            <a:off x="4218017" y="162560"/>
+            <a:off x="4218017" y="713343"/>
             <a:ext cx="7287149" cy="5825569"/>
           </a:xfrm>
         </p:spPr>
@@ -7817,18 +7621,11 @@
               <a:buNone/>
             </a:pPr>
             <a:r>
-              <a:rPr lang="en-US" sz="3200" dirty="0" err="1">
-                <a:latin typeface="Times New Roman" panose="02020603050405020304" pitchFamily="18" charset="0"/>
-                <a:cs typeface="Times New Roman" panose="02020603050405020304" pitchFamily="18" charset="0"/>
-              </a:rPr>
-              <a:t>VoiceVerse</a:t>
-            </a:r>
-            <a:r>
               <a:rPr lang="en-US" sz="3200" dirty="0">
                 <a:latin typeface="Times New Roman" panose="02020603050405020304" pitchFamily="18" charset="0"/>
                 <a:cs typeface="Times New Roman" panose="02020603050405020304" pitchFamily="18" charset="0"/>
               </a:rPr>
-              <a:t> Translator is an AI-based system that helps people talk to each other in different languages. It listens to what a person says, translates the speech into another language, and speaks it out </a:t>
+              <a:t>Voice Verse Translator is an AI-based system that helps people talk to each other in different languages. It listens to what a person says, translates the speech into another language, and speaks it out </a:t>
             </a:r>
             <a:r>
               <a:rPr lang="en-US" sz="3200" dirty="0" err="1">
@@ -7871,6 +7668,9 @@
   <p:clrMapOvr>
     <a:masterClrMapping/>
   </p:clrMapOvr>
+  <p:transition spd="slow">
+    <p:push dir="u"/>
+  </p:transition>
 </p:sld>
 </file>
 
@@ -8258,14 +8058,14 @@
             <p:ph idx="1"/>
             <p:extLst>
               <p:ext uri="{D42A27DB-BD31-4B8C-83A1-F6EECF244321}">
-                <p14:modId xmlns:p14="http://schemas.microsoft.com/office/powerpoint/2010/main" val="4286463477"/>
+                <p14:modId xmlns:p14="http://schemas.microsoft.com/office/powerpoint/2010/main" val="380090554"/>
               </p:ext>
             </p:extLst>
           </p:nvPr>
         </p:nvGraphicFramePr>
         <p:xfrm>
-          <a:off x="632085" y="2040749"/>
-          <a:ext cx="10927830" cy="4123817"/>
+          <a:off x="147483" y="1575459"/>
+          <a:ext cx="11897033" cy="5090812"/>
         </p:xfrm>
         <a:graphic>
           <a:graphicData uri="http://schemas.openxmlformats.org/drawingml/2006/table">
@@ -8274,28 +8074,28 @@
                 <a:tableStyleId>{5940675A-B579-460E-94D1-54222C63F5DA}</a:tableStyleId>
               </a:tblPr>
               <a:tblGrid>
-                <a:gridCol w="637944">
+                <a:gridCol w="694524">
                   <a:extLst>
                     <a:ext uri="{9D8B030D-6E8A-4147-A177-3AD203B41FA5}">
                       <a16:colId xmlns:a16="http://schemas.microsoft.com/office/drawing/2014/main" val="2710160738"/>
                     </a:ext>
                   </a:extLst>
                 </a:gridCol>
-                <a:gridCol w="3276154">
+                <a:gridCol w="3566720">
                   <a:extLst>
                     <a:ext uri="{9D8B030D-6E8A-4147-A177-3AD203B41FA5}">
                       <a16:colId xmlns:a16="http://schemas.microsoft.com/office/drawing/2014/main" val="3875518407"/>
                     </a:ext>
                   </a:extLst>
                 </a:gridCol>
-                <a:gridCol w="2085910">
+                <a:gridCol w="2270912">
                   <a:extLst>
                     <a:ext uri="{9D8B030D-6E8A-4147-A177-3AD203B41FA5}">
                       <a16:colId xmlns:a16="http://schemas.microsoft.com/office/drawing/2014/main" val="3356012082"/>
                     </a:ext>
                   </a:extLst>
                 </a:gridCol>
-                <a:gridCol w="4927822">
+                <a:gridCol w="5364877">
                   <a:extLst>
                     <a:ext uri="{9D8B030D-6E8A-4147-A177-3AD203B41FA5}">
                       <a16:colId xmlns:a16="http://schemas.microsoft.com/office/drawing/2014/main" val="3454548035"/>
@@ -8303,7 +8103,7 @@
                   </a:extLst>
                 </a:gridCol>
               </a:tblGrid>
-              <a:tr h="620249">
+              <a:tr h="765692">
                 <a:tc>
                   <a:txBody>
                     <a:bodyPr/>
@@ -8327,13 +8127,13 @@
                         <a:defRPr/>
                       </a:pPr>
                       <a:r>
-                        <a:rPr lang="en-US" sz="1600">
+                        <a:rPr lang="en-US" sz="1900">
                           <a:latin typeface="Times New Roman" panose="02020603050405020304" pitchFamily="18" charset="0"/>
                           <a:cs typeface="Times New Roman" panose="02020603050405020304" pitchFamily="18" charset="0"/>
                         </a:rPr>
                         <a:t>Ref. No </a:t>
                       </a:r>
-                      <a:endParaRPr lang="en-IN" sz="1600">
+                      <a:endParaRPr lang="en-IN" sz="1900">
                         <a:latin typeface="Times New Roman" panose="02020603050405020304" pitchFamily="18" charset="0"/>
                         <a:cs typeface="Times New Roman" panose="02020603050405020304" pitchFamily="18" charset="0"/>
                       </a:endParaRPr>
@@ -8364,13 +8164,13 @@
                         <a:defRPr/>
                       </a:pPr>
                       <a:r>
-                        <a:rPr lang="en-US" sz="1600" b="1" dirty="0">
+                        <a:rPr lang="en-US" sz="1900" b="1" dirty="0">
                           <a:latin typeface="Times New Roman" panose="02020603050405020304" pitchFamily="18" charset="0"/>
                           <a:cs typeface="Times New Roman" panose="02020603050405020304" pitchFamily="18" charset="0"/>
                         </a:rPr>
                         <a:t>Reference  Papers/Books Name </a:t>
                       </a:r>
-                      <a:endParaRPr lang="en-IN" sz="1600" b="1" dirty="0">
+                      <a:endParaRPr lang="en-IN" sz="1900" b="1" dirty="0">
                         <a:latin typeface="Times New Roman" panose="02020603050405020304" pitchFamily="18" charset="0"/>
                         <a:cs typeface="Times New Roman" panose="02020603050405020304" pitchFamily="18" charset="0"/>
                       </a:endParaRPr>
@@ -8401,13 +8201,13 @@
                         <a:defRPr/>
                       </a:pPr>
                       <a:r>
-                        <a:rPr lang="en-US" sz="1600" b="1">
+                        <a:rPr lang="en-US" sz="1900" b="1">
                           <a:latin typeface="Times New Roman" panose="02020603050405020304" pitchFamily="18" charset="0"/>
                           <a:cs typeface="Times New Roman" panose="02020603050405020304" pitchFamily="18" charset="0"/>
                         </a:rPr>
                         <a:t>Author Name </a:t>
                       </a:r>
-                      <a:endParaRPr lang="en-IN" sz="1600" b="1">
+                      <a:endParaRPr lang="en-IN" sz="1900" b="1">
                         <a:latin typeface="Times New Roman" panose="02020603050405020304" pitchFamily="18" charset="0"/>
                         <a:cs typeface="Times New Roman" panose="02020603050405020304" pitchFamily="18" charset="0"/>
                       </a:endParaRPr>
@@ -8422,13 +8222,13 @@
                     <a:p>
                       <a:pPr algn="ctr"/>
                       <a:r>
-                        <a:rPr lang="en-US" sz="1600" b="1">
+                        <a:rPr lang="en-US" sz="1900" b="1">
                           <a:latin typeface="Times New Roman" panose="02020603050405020304" pitchFamily="18" charset="0"/>
                           <a:cs typeface="Times New Roman" panose="02020603050405020304" pitchFamily="18" charset="0"/>
                         </a:rPr>
                         <a:t>Description</a:t>
                       </a:r>
-                      <a:endParaRPr lang="en-US" sz="1600">
+                      <a:endParaRPr lang="en-US" sz="1900">
                         <a:latin typeface="Times New Roman" panose="02020603050405020304" pitchFamily="18" charset="0"/>
                         <a:cs typeface="Times New Roman" panose="02020603050405020304" pitchFamily="18" charset="0"/>
                       </a:endParaRPr>
@@ -8442,7 +8242,7 @@
                   </a:ext>
                 </a:extLst>
               </a:tr>
-              <a:tr h="1626058">
+              <a:tr h="2007353">
                 <a:tc>
                   <a:txBody>
                     <a:bodyPr/>
@@ -8450,7 +8250,7 @@
                     <a:p>
                       <a:pPr algn="ctr"/>
                       <a:r>
-                        <a:rPr lang="en-US" sz="1600">
+                        <a:rPr lang="en-US" sz="1900">
                           <a:latin typeface="Times New Roman" panose="02020603050405020304" pitchFamily="18" charset="0"/>
                           <a:cs typeface="Times New Roman" panose="02020603050405020304" pitchFamily="18" charset="0"/>
                         </a:rPr>
@@ -8467,7 +8267,7 @@
                     <a:p>
                       <a:pPr algn="just"/>
                       <a:r>
-                        <a:rPr lang="en-US" sz="1600">
+                        <a:rPr lang="en-US" sz="1900" dirty="0">
                           <a:latin typeface="Times New Roman" panose="02020603050405020304" pitchFamily="18" charset="0"/>
                           <a:cs typeface="Times New Roman" panose="02020603050405020304" pitchFamily="18" charset="0"/>
                         </a:rPr>
@@ -8484,7 +8284,7 @@
                     <a:p>
                       <a:pPr algn="just"/>
                       <a:r>
-                        <a:rPr lang="en-US" sz="1600">
+                        <a:rPr lang="en-US" sz="1900">
                           <a:latin typeface="Times New Roman" panose="02020603050405020304" pitchFamily="18" charset="0"/>
                           <a:cs typeface="Times New Roman" panose="02020603050405020304" pitchFamily="18" charset="0"/>
                         </a:rPr>
@@ -8494,7 +8294,7 @@
                     <a:p>
                       <a:pPr algn="just"/>
                       <a:r>
-                        <a:rPr lang="en-US" sz="1600">
+                        <a:rPr lang="en-US" sz="1900">
                           <a:latin typeface="Times New Roman" panose="02020603050405020304" pitchFamily="18" charset="0"/>
                           <a:cs typeface="Times New Roman" panose="02020603050405020304" pitchFamily="18" charset="0"/>
                         </a:rPr>
@@ -8504,7 +8304,7 @@
                     <a:p>
                       <a:pPr algn="just"/>
                       <a:r>
-                        <a:rPr lang="en-US" sz="1600">
+                        <a:rPr lang="en-US" sz="1900">
                           <a:latin typeface="Times New Roman" panose="02020603050405020304" pitchFamily="18" charset="0"/>
                           <a:cs typeface="Times New Roman" panose="02020603050405020304" pitchFamily="18" charset="0"/>
                         </a:rPr>
@@ -8514,7 +8314,7 @@
                     <a:p>
                       <a:pPr algn="just"/>
                       <a:r>
-                        <a:rPr lang="en-US" sz="1600">
+                        <a:rPr lang="en-US" sz="1900">
                           <a:latin typeface="Times New Roman" panose="02020603050405020304" pitchFamily="18" charset="0"/>
                           <a:cs typeface="Times New Roman" panose="02020603050405020304" pitchFamily="18" charset="0"/>
                         </a:rPr>
@@ -8531,14 +8331,14 @@
                     <a:p>
                       <a:pPr algn="l"/>
                       <a:r>
-                        <a:rPr lang="en-US" sz="1600" b="1">
+                        <a:rPr lang="en-US" sz="1900" b="1" dirty="0">
                           <a:latin typeface="Times New Roman" panose="02020603050405020304" pitchFamily="18" charset="0"/>
                           <a:cs typeface="Times New Roman" panose="02020603050405020304" pitchFamily="18" charset="0"/>
                         </a:rPr>
                         <a:t>Real-Time Speech-to-Speech Translation for PDAs</a:t>
                       </a:r>
                       <a:r>
-                        <a:rPr lang="en-US" sz="1600">
+                        <a:rPr lang="en-US" sz="1900" dirty="0">
                           <a:latin typeface="Times New Roman" panose="02020603050405020304" pitchFamily="18" charset="0"/>
                           <a:cs typeface="Times New Roman" panose="02020603050405020304" pitchFamily="18" charset="0"/>
                         </a:rPr>
@@ -8554,7 +8354,7 @@
                   </a:ext>
                 </a:extLst>
               </a:tr>
-              <a:tr h="1877510">
+              <a:tr h="2317767">
                 <a:tc>
                   <a:txBody>
                     <a:bodyPr/>
@@ -8562,7 +8362,7 @@
                     <a:p>
                       <a:pPr algn="ctr"/>
                       <a:r>
-                        <a:rPr lang="en-US" sz="1600">
+                        <a:rPr lang="en-US" sz="1900">
                           <a:latin typeface="Times New Roman" panose="02020603050405020304" pitchFamily="18" charset="0"/>
                           <a:cs typeface="Times New Roman" panose="02020603050405020304" pitchFamily="18" charset="0"/>
                         </a:rPr>
@@ -8579,7 +8379,7 @@
                     <a:p>
                       <a:pPr algn="just"/>
                       <a:r>
-                        <a:rPr lang="en-US" sz="1600">
+                        <a:rPr lang="en-US" sz="1900">
                           <a:latin typeface="Times New Roman" panose="02020603050405020304" pitchFamily="18" charset="0"/>
                           <a:cs typeface="Times New Roman" panose="02020603050405020304" pitchFamily="18" charset="0"/>
                         </a:rPr>
@@ -8596,7 +8396,7 @@
                     <a:p>
                       <a:pPr algn="just"/>
                       <a:r>
-                        <a:rPr lang="en-US" sz="1600">
+                        <a:rPr lang="en-US" sz="1900">
                           <a:latin typeface="Times New Roman" panose="02020603050405020304" pitchFamily="18" charset="0"/>
                           <a:cs typeface="Times New Roman" panose="02020603050405020304" pitchFamily="18" charset="0"/>
                         </a:rPr>
@@ -8606,7 +8406,7 @@
                     <a:p>
                       <a:pPr algn="just"/>
                       <a:r>
-                        <a:rPr lang="en-US" sz="1600">
+                        <a:rPr lang="en-US" sz="1900">
                           <a:latin typeface="Times New Roman" panose="02020603050405020304" pitchFamily="18" charset="0"/>
                           <a:cs typeface="Times New Roman" panose="02020603050405020304" pitchFamily="18" charset="0"/>
                         </a:rPr>
@@ -8616,7 +8416,7 @@
                     <a:p>
                       <a:pPr algn="just"/>
                       <a:r>
-                        <a:rPr lang="en-US" sz="1600">
+                        <a:rPr lang="en-US" sz="1900">
                           <a:latin typeface="Times New Roman" panose="02020603050405020304" pitchFamily="18" charset="0"/>
                           <a:cs typeface="Times New Roman" panose="02020603050405020304" pitchFamily="18" charset="0"/>
                         </a:rPr>
@@ -8626,7 +8426,7 @@
                     <a:p>
                       <a:pPr algn="just"/>
                       <a:r>
-                        <a:rPr lang="en-US" sz="1600">
+                        <a:rPr lang="en-US" sz="1900">
                           <a:latin typeface="Times New Roman" panose="02020603050405020304" pitchFamily="18" charset="0"/>
                           <a:cs typeface="Times New Roman" panose="02020603050405020304" pitchFamily="18" charset="0"/>
                         </a:rPr>
@@ -8643,35 +8443,35 @@
                     <a:p>
                       <a:pPr algn="l"/>
                       <a:r>
-                        <a:rPr lang="en-US" sz="1600" dirty="0">
+                        <a:rPr lang="en-US" sz="1900" dirty="0">
                           <a:latin typeface="Times New Roman" panose="02020603050405020304" pitchFamily="18" charset="0"/>
                           <a:cs typeface="Times New Roman" panose="02020603050405020304" pitchFamily="18" charset="0"/>
                         </a:rPr>
                         <a:t>The paper </a:t>
                       </a:r>
                       <a:r>
-                        <a:rPr lang="en-US" sz="1600" b="1" dirty="0">
+                        <a:rPr lang="en-US" sz="1900" b="1" dirty="0">
                           <a:latin typeface="Times New Roman" panose="02020603050405020304" pitchFamily="18" charset="0"/>
                           <a:cs typeface="Times New Roman" panose="02020603050405020304" pitchFamily="18" charset="0"/>
                         </a:rPr>
                         <a:t>“Real-Time Text &amp; Speech Translation Using Sequence-to-Sequence Approach”</a:t>
                       </a:r>
                       <a:r>
-                        <a:rPr lang="en-US" sz="1600" dirty="0">
+                        <a:rPr lang="en-US" sz="1900" dirty="0">
                           <a:latin typeface="Times New Roman" panose="02020603050405020304" pitchFamily="18" charset="0"/>
                           <a:cs typeface="Times New Roman" panose="02020603050405020304" pitchFamily="18" charset="0"/>
                         </a:rPr>
                         <a:t> describes a system that helps people talk or chat in different languages in real time. It listens to speech, turns it into text, translates it into another language, and then speaks it back instantly. The system uses a </a:t>
                       </a:r>
                       <a:r>
-                        <a:rPr lang="en-US" sz="1600" b="1" dirty="0">
+                        <a:rPr lang="en-US" sz="1900" b="1" dirty="0">
                           <a:latin typeface="Times New Roman" panose="02020603050405020304" pitchFamily="18" charset="0"/>
                           <a:cs typeface="Times New Roman" panose="02020603050405020304" pitchFamily="18" charset="0"/>
                         </a:rPr>
                         <a:t>CNN-based model</a:t>
                       </a:r>
                       <a:r>
-                        <a:rPr lang="en-US" sz="1600" dirty="0">
+                        <a:rPr lang="en-US" sz="1900" dirty="0">
                           <a:latin typeface="Times New Roman" panose="02020603050405020304" pitchFamily="18" charset="0"/>
                           <a:cs typeface="Times New Roman" panose="02020603050405020304" pitchFamily="18" charset="0"/>
                         </a:rPr>
@@ -8701,6 +8501,18 @@
   <p:clrMapOvr>
     <a:masterClrMapping/>
   </p:clrMapOvr>
+  <mc:AlternateContent xmlns:mc="http://schemas.openxmlformats.org/markup-compatibility/2006" xmlns:p15="http://schemas.microsoft.com/office/powerpoint/2012/main">
+    <mc:Choice Requires="p15">
+      <p:transition xmlns:p14="http://schemas.microsoft.com/office/powerpoint/2010/main" spd="slow" p14:dur="1250">
+        <p15:prstTrans prst="peelOff"/>
+      </p:transition>
+    </mc:Choice>
+    <mc:Fallback xmlns="">
+      <p:transition spd="slow">
+        <p:fade/>
+      </p:transition>
+    </mc:Fallback>
+  </mc:AlternateContent>
 </p:sld>
 </file>
 
@@ -8736,14 +8548,14 @@
           <p:nvPr>
             <p:extLst>
               <p:ext uri="{D42A27DB-BD31-4B8C-83A1-F6EECF244321}">
-                <p14:modId xmlns:p14="http://schemas.microsoft.com/office/powerpoint/2010/main" val="3058527140"/>
+                <p14:modId xmlns:p14="http://schemas.microsoft.com/office/powerpoint/2010/main" val="2807128050"/>
               </p:ext>
             </p:extLst>
           </p:nvPr>
         </p:nvGraphicFramePr>
         <p:xfrm>
-          <a:off x="408709" y="945573"/>
-          <a:ext cx="11679382" cy="5625581"/>
+          <a:off x="117987" y="275303"/>
+          <a:ext cx="11970104" cy="6295851"/>
         </p:xfrm>
         <a:graphic>
           <a:graphicData uri="http://schemas.openxmlformats.org/drawingml/2006/table">
@@ -8752,28 +8564,28 @@
                 <a:tableStyleId>{5940675A-B579-460E-94D1-54222C63F5DA}</a:tableStyleId>
               </a:tblPr>
               <a:tblGrid>
-                <a:gridCol w="685800">
+                <a:gridCol w="702871">
                   <a:extLst>
                     <a:ext uri="{9D8B030D-6E8A-4147-A177-3AD203B41FA5}">
                       <a16:colId xmlns:a16="http://schemas.microsoft.com/office/drawing/2014/main" val="2710160738"/>
                     </a:ext>
                   </a:extLst>
                 </a:gridCol>
-                <a:gridCol w="3449781">
+                <a:gridCol w="3535653">
                   <a:extLst>
                     <a:ext uri="{9D8B030D-6E8A-4147-A177-3AD203B41FA5}">
                       <a16:colId xmlns:a16="http://schemas.microsoft.com/office/drawing/2014/main" val="3875518407"/>
                     </a:ext>
                   </a:extLst>
                 </a:gridCol>
-                <a:gridCol w="2275609">
+                <a:gridCol w="2332253">
                   <a:extLst>
                     <a:ext uri="{9D8B030D-6E8A-4147-A177-3AD203B41FA5}">
                       <a16:colId xmlns:a16="http://schemas.microsoft.com/office/drawing/2014/main" val="3356012082"/>
                     </a:ext>
                   </a:extLst>
                 </a:gridCol>
-                <a:gridCol w="5268192">
+                <a:gridCol w="5399327">
                   <a:extLst>
                     <a:ext uri="{9D8B030D-6E8A-4147-A177-3AD203B41FA5}">
                       <a16:colId xmlns:a16="http://schemas.microsoft.com/office/drawing/2014/main" val="3454548035"/>
@@ -8781,7 +8593,7 @@
                   </a:extLst>
                 </a:gridCol>
               </a:tblGrid>
-              <a:tr h="739891">
+              <a:tr h="828047">
                 <a:tc>
                   <a:txBody>
                     <a:bodyPr/>
@@ -8805,13 +8617,13 @@
                         <a:defRPr/>
                       </a:pPr>
                       <a:r>
-                        <a:rPr lang="en-US" sz="1800" dirty="0">
+                        <a:rPr lang="en-US" sz="2000" dirty="0">
                           <a:latin typeface="Times New Roman" panose="02020603050405020304" pitchFamily="18" charset="0"/>
                           <a:cs typeface="Times New Roman" panose="02020603050405020304" pitchFamily="18" charset="0"/>
                         </a:rPr>
                         <a:t>Ref. No </a:t>
                       </a:r>
-                      <a:endParaRPr lang="en-IN" sz="1800" dirty="0">
+                      <a:endParaRPr lang="en-IN" sz="2000" dirty="0">
                         <a:latin typeface="Times New Roman" panose="02020603050405020304" pitchFamily="18" charset="0"/>
                         <a:cs typeface="Times New Roman" panose="02020603050405020304" pitchFamily="18" charset="0"/>
                       </a:endParaRPr>
@@ -8842,13 +8654,13 @@
                         <a:defRPr/>
                       </a:pPr>
                       <a:r>
-                        <a:rPr lang="en-US" sz="1800" b="1" dirty="0">
+                        <a:rPr lang="en-US" sz="2000" b="1" dirty="0">
                           <a:latin typeface="Times New Roman" panose="02020603050405020304" pitchFamily="18" charset="0"/>
                           <a:cs typeface="Times New Roman" panose="02020603050405020304" pitchFamily="18" charset="0"/>
                         </a:rPr>
                         <a:t>Reference  Papers/Books Name </a:t>
                       </a:r>
-                      <a:endParaRPr lang="en-IN" sz="1800" b="1" dirty="0">
+                      <a:endParaRPr lang="en-IN" sz="2000" b="1" dirty="0">
                         <a:latin typeface="Times New Roman" panose="02020603050405020304" pitchFamily="18" charset="0"/>
                         <a:cs typeface="Times New Roman" panose="02020603050405020304" pitchFamily="18" charset="0"/>
                       </a:endParaRPr>
@@ -8879,13 +8691,13 @@
                         <a:defRPr/>
                       </a:pPr>
                       <a:r>
-                        <a:rPr lang="en-US" sz="1800" b="1" dirty="0">
+                        <a:rPr lang="en-US" sz="2000" b="1" dirty="0">
                           <a:latin typeface="Times New Roman" panose="02020603050405020304" pitchFamily="18" charset="0"/>
                           <a:cs typeface="Times New Roman" panose="02020603050405020304" pitchFamily="18" charset="0"/>
                         </a:rPr>
                         <a:t>Author Name </a:t>
                       </a:r>
-                      <a:endParaRPr lang="en-IN" sz="1800" b="1" dirty="0">
+                      <a:endParaRPr lang="en-IN" sz="2000" b="1" dirty="0">
                         <a:latin typeface="Times New Roman" panose="02020603050405020304" pitchFamily="18" charset="0"/>
                         <a:cs typeface="Times New Roman" panose="02020603050405020304" pitchFamily="18" charset="0"/>
                       </a:endParaRPr>
@@ -8900,13 +8712,13 @@
                     <a:p>
                       <a:pPr algn="ctr"/>
                       <a:r>
-                        <a:rPr lang="en-US" sz="1800" b="1" dirty="0">
+                        <a:rPr lang="en-US" sz="2000" b="1" dirty="0">
                           <a:latin typeface="Times New Roman" panose="02020603050405020304" pitchFamily="18" charset="0"/>
                           <a:cs typeface="Times New Roman" panose="02020603050405020304" pitchFamily="18" charset="0"/>
                         </a:rPr>
                         <a:t>Description</a:t>
                       </a:r>
-                      <a:endParaRPr lang="en-US" sz="1800" dirty="0">
+                      <a:endParaRPr lang="en-US" sz="2000" dirty="0">
                         <a:latin typeface="Times New Roman" panose="02020603050405020304" pitchFamily="18" charset="0"/>
                         <a:cs typeface="Times New Roman" panose="02020603050405020304" pitchFamily="18" charset="0"/>
                       </a:endParaRPr>
@@ -8920,7 +8732,7 @@
                   </a:ext>
                 </a:extLst>
               </a:tr>
-              <a:tr h="2008273">
+              <a:tr h="2865374">
                 <a:tc>
                   <a:txBody>
                     <a:bodyPr/>
@@ -8928,7 +8740,7 @@
                     <a:p>
                       <a:pPr algn="ctr"/>
                       <a:r>
-                        <a:rPr lang="en-US" sz="1800" dirty="0">
+                        <a:rPr lang="en-US" sz="2000" dirty="0">
                           <a:latin typeface="Times New Roman" panose="02020603050405020304" pitchFamily="18" charset="0"/>
                           <a:cs typeface="Times New Roman" panose="02020603050405020304" pitchFamily="18" charset="0"/>
                         </a:rPr>
@@ -8945,16 +8757,12 @@
                     <a:p>
                       <a:pPr algn="just"/>
                       <a:r>
-                        <a:rPr lang="en-US" dirty="0">
+                        <a:rPr lang="en-US" sz="2000" dirty="0">
                           <a:latin typeface="Times New Roman" panose="02020603050405020304" pitchFamily="18" charset="0"/>
                           <a:cs typeface="Times New Roman" panose="02020603050405020304" pitchFamily="18" charset="0"/>
                         </a:rPr>
                         <a:t>Real Time Voice Translator</a:t>
                       </a:r>
-                      <a:endParaRPr lang="en-US" sz="1800" dirty="0">
-                        <a:latin typeface="Times New Roman" panose="02020603050405020304" pitchFamily="18" charset="0"/>
-                        <a:cs typeface="Times New Roman" panose="02020603050405020304" pitchFamily="18" charset="0"/>
-                      </a:endParaRPr>
                     </a:p>
                   </a:txBody>
                   <a:tcPr/>
@@ -8966,21 +8774,21 @@
                     <a:p>
                       <a:pPr algn="just"/>
                       <a:r>
-                        <a:rPr lang="en-US" dirty="0">
+                        <a:rPr lang="en-US" sz="2000" dirty="0">
                           <a:latin typeface="Times New Roman" panose="02020603050405020304" pitchFamily="18" charset="0"/>
                           <a:cs typeface="Times New Roman" panose="02020603050405020304" pitchFamily="18" charset="0"/>
                         </a:rPr>
                         <a:t>Darshan </a:t>
                       </a:r>
                       <a:r>
-                        <a:rPr lang="en-US" dirty="0" err="1">
+                        <a:rPr lang="en-US" sz="2000" dirty="0" err="1">
                           <a:latin typeface="Times New Roman" panose="02020603050405020304" pitchFamily="18" charset="0"/>
                           <a:cs typeface="Times New Roman" panose="02020603050405020304" pitchFamily="18" charset="0"/>
                         </a:rPr>
                         <a:t>Shilvant</a:t>
                       </a:r>
                       <a:r>
-                        <a:rPr lang="en-US" dirty="0">
+                        <a:rPr lang="en-US" sz="2000" dirty="0">
                           <a:latin typeface="Times New Roman" panose="02020603050405020304" pitchFamily="18" charset="0"/>
                           <a:cs typeface="Times New Roman" panose="02020603050405020304" pitchFamily="18" charset="0"/>
                         </a:rPr>
@@ -8990,7 +8798,7 @@
                     <a:p>
                       <a:pPr algn="just"/>
                       <a:r>
-                        <a:rPr lang="en-US" dirty="0">
+                        <a:rPr lang="en-US" sz="2000" dirty="0">
                           <a:latin typeface="Times New Roman" panose="02020603050405020304" pitchFamily="18" charset="0"/>
                           <a:cs typeface="Times New Roman" panose="02020603050405020304" pitchFamily="18" charset="0"/>
                         </a:rPr>
@@ -9000,7 +8808,7 @@
                     <a:p>
                       <a:pPr algn="just"/>
                       <a:r>
-                        <a:rPr lang="en-US" dirty="0">
+                        <a:rPr lang="en-US" sz="2000" dirty="0">
                           <a:latin typeface="Times New Roman" panose="02020603050405020304" pitchFamily="18" charset="0"/>
                           <a:cs typeface="Times New Roman" panose="02020603050405020304" pitchFamily="18" charset="0"/>
                         </a:rPr>
@@ -9010,7 +8818,7 @@
                     <a:p>
                       <a:pPr algn="just"/>
                       <a:r>
-                        <a:rPr lang="en-US" dirty="0">
+                        <a:rPr lang="en-US" sz="2000" dirty="0">
                           <a:latin typeface="Times New Roman" panose="02020603050405020304" pitchFamily="18" charset="0"/>
                           <a:cs typeface="Times New Roman" panose="02020603050405020304" pitchFamily="18" charset="0"/>
                         </a:rPr>
@@ -9020,16 +8828,12 @@
                     <a:p>
                       <a:pPr algn="just"/>
                       <a:r>
-                        <a:rPr lang="en-US" dirty="0">
+                        <a:rPr lang="en-US" sz="2000" dirty="0">
                           <a:latin typeface="Times New Roman" panose="02020603050405020304" pitchFamily="18" charset="0"/>
                           <a:cs typeface="Times New Roman" panose="02020603050405020304" pitchFamily="18" charset="0"/>
                         </a:rPr>
                         <a:t> Waghmare</a:t>
                       </a:r>
-                      <a:endParaRPr lang="en-US" sz="1800" dirty="0">
-                        <a:latin typeface="Times New Roman" panose="02020603050405020304" pitchFamily="18" charset="0"/>
-                        <a:cs typeface="Times New Roman" panose="02020603050405020304" pitchFamily="18" charset="0"/>
-                      </a:endParaRPr>
                     </a:p>
                   </a:txBody>
                   <a:tcPr/>
@@ -9041,30 +8845,26 @@
                     <a:p>
                       <a:pPr algn="just"/>
                       <a:r>
-                        <a:rPr lang="en-US" dirty="0">
+                        <a:rPr lang="en-US" sz="2000" dirty="0">
                           <a:latin typeface="Times New Roman" panose="02020603050405020304" pitchFamily="18" charset="0"/>
                           <a:cs typeface="Times New Roman" panose="02020603050405020304" pitchFamily="18" charset="0"/>
                         </a:rPr>
                         <a:t>A </a:t>
                       </a:r>
                       <a:r>
-                        <a:rPr lang="en-US" b="1" dirty="0">
+                        <a:rPr lang="en-US" sz="2000" b="1" dirty="0">
                           <a:latin typeface="Times New Roman" panose="02020603050405020304" pitchFamily="18" charset="0"/>
                           <a:cs typeface="Times New Roman" panose="02020603050405020304" pitchFamily="18" charset="0"/>
                         </a:rPr>
                         <a:t>Real-Time Voice Translator</a:t>
                       </a:r>
                       <a:r>
-                        <a:rPr lang="en-US" dirty="0">
+                        <a:rPr lang="en-US" sz="2000" dirty="0">
                           <a:latin typeface="Times New Roman" panose="02020603050405020304" pitchFamily="18" charset="0"/>
                           <a:cs typeface="Times New Roman" panose="02020603050405020304" pitchFamily="18" charset="0"/>
                         </a:rPr>
                         <a:t> is a system that listens to what a person says in one language, translates it instantly into another language, and then speaks it out loud. It helps people who speak different languages communicate easily without waiting or needing a third person. The translator uses speech recognition, language translation, and text-to-speech technology to give fast and accurate results, making conversations smooth and natural</a:t>
                       </a:r>
-                      <a:endParaRPr lang="en-US" sz="1800" dirty="0">
-                        <a:latin typeface="Times New Roman" panose="02020603050405020304" pitchFamily="18" charset="0"/>
-                        <a:cs typeface="Times New Roman" panose="02020603050405020304" pitchFamily="18" charset="0"/>
-                      </a:endParaRPr>
                     </a:p>
                   </a:txBody>
                   <a:tcPr/>
@@ -9075,7 +8875,7 @@
                   </a:ext>
                 </a:extLst>
               </a:tr>
-              <a:tr h="2325370">
+              <a:tr h="2602430">
                 <a:tc>
                   <a:txBody>
                     <a:bodyPr/>
@@ -9083,7 +8883,7 @@
                     <a:p>
                       <a:pPr algn="ctr"/>
                       <a:r>
-                        <a:rPr lang="en-US" sz="1800" dirty="0">
+                        <a:rPr lang="en-US" sz="2000" dirty="0">
                           <a:latin typeface="Times New Roman" panose="02020603050405020304" pitchFamily="18" charset="0"/>
                           <a:cs typeface="Times New Roman" panose="02020603050405020304" pitchFamily="18" charset="0"/>
                         </a:rPr>
@@ -9100,16 +8900,12 @@
                     <a:p>
                       <a:pPr algn="just"/>
                       <a:r>
-                        <a:rPr lang="en-US" dirty="0">
+                        <a:rPr lang="en-US" sz="2000" dirty="0">
                           <a:latin typeface="Times New Roman" panose="02020603050405020304" pitchFamily="18" charset="0"/>
                           <a:cs typeface="Times New Roman" panose="02020603050405020304" pitchFamily="18" charset="0"/>
                         </a:rPr>
                         <a:t>REAL TIME LANGUAGE TRANSLATOR</a:t>
                       </a:r>
-                      <a:endParaRPr lang="en-US" sz="1800" dirty="0">
-                        <a:latin typeface="Times New Roman" panose="02020603050405020304" pitchFamily="18" charset="0"/>
-                        <a:cs typeface="Times New Roman" panose="02020603050405020304" pitchFamily="18" charset="0"/>
-                      </a:endParaRPr>
                     </a:p>
                   </a:txBody>
                   <a:tcPr/>
@@ -9121,21 +8917,21 @@
                     <a:p>
                       <a:pPr algn="just"/>
                       <a:r>
-                        <a:rPr lang="en-US" dirty="0">
+                        <a:rPr lang="en-US" sz="2000" dirty="0">
                           <a:latin typeface="Times New Roman" panose="02020603050405020304" pitchFamily="18" charset="0"/>
                           <a:cs typeface="Times New Roman" panose="02020603050405020304" pitchFamily="18" charset="0"/>
                         </a:rPr>
                         <a:t>Siddhi </a:t>
                       </a:r>
                       <a:r>
-                        <a:rPr lang="en-US" dirty="0" err="1">
+                        <a:rPr lang="en-US" sz="2000" dirty="0" err="1">
                           <a:latin typeface="Times New Roman" panose="02020603050405020304" pitchFamily="18" charset="0"/>
                           <a:cs typeface="Times New Roman" panose="02020603050405020304" pitchFamily="18" charset="0"/>
                         </a:rPr>
                         <a:t>Divate</a:t>
                       </a:r>
                       <a:r>
-                        <a:rPr lang="en-US" dirty="0">
+                        <a:rPr lang="en-US" sz="2000" dirty="0">
                           <a:latin typeface="Times New Roman" panose="02020603050405020304" pitchFamily="18" charset="0"/>
                           <a:cs typeface="Times New Roman" panose="02020603050405020304" pitchFamily="18" charset="0"/>
                         </a:rPr>
@@ -9145,21 +8941,21 @@
                     <a:p>
                       <a:pPr algn="just"/>
                       <a:r>
-                        <a:rPr lang="en-US" dirty="0">
+                        <a:rPr lang="en-US" sz="2000" dirty="0">
                           <a:latin typeface="Times New Roman" panose="02020603050405020304" pitchFamily="18" charset="0"/>
                           <a:cs typeface="Times New Roman" panose="02020603050405020304" pitchFamily="18" charset="0"/>
                         </a:rPr>
                         <a:t> </a:t>
                       </a:r>
                       <a:r>
-                        <a:rPr lang="en-US" dirty="0" err="1">
+                        <a:rPr lang="en-US" sz="2000" dirty="0" err="1">
                           <a:latin typeface="Times New Roman" panose="02020603050405020304" pitchFamily="18" charset="0"/>
                           <a:cs typeface="Times New Roman" panose="02020603050405020304" pitchFamily="18" charset="0"/>
                         </a:rPr>
                         <a:t>Gajashree</a:t>
                       </a:r>
                       <a:r>
-                        <a:rPr lang="en-US" dirty="0">
+                        <a:rPr lang="en-US" sz="2000" dirty="0">
                           <a:latin typeface="Times New Roman" panose="02020603050405020304" pitchFamily="18" charset="0"/>
                           <a:cs typeface="Times New Roman" panose="02020603050405020304" pitchFamily="18" charset="0"/>
                         </a:rPr>
@@ -9169,7 +8965,7 @@
                     <a:p>
                       <a:pPr algn="just"/>
                       <a:r>
-                        <a:rPr lang="en-US" dirty="0">
+                        <a:rPr lang="en-US" sz="2000" dirty="0">
                           <a:latin typeface="Times New Roman" panose="02020603050405020304" pitchFamily="18" charset="0"/>
                           <a:cs typeface="Times New Roman" panose="02020603050405020304" pitchFamily="18" charset="0"/>
                         </a:rPr>
@@ -9179,16 +8975,12 @@
                     <a:p>
                       <a:pPr algn="just"/>
                       <a:r>
-                        <a:rPr lang="en-US" dirty="0">
+                        <a:rPr lang="en-US" sz="2000" dirty="0">
                           <a:latin typeface="Times New Roman" panose="02020603050405020304" pitchFamily="18" charset="0"/>
                           <a:cs typeface="Times New Roman" panose="02020603050405020304" pitchFamily="18" charset="0"/>
                         </a:rPr>
                         <a:t> Nikat Attar</a:t>
                       </a:r>
-                      <a:endParaRPr lang="en-US" sz="1800" dirty="0">
-                        <a:latin typeface="Times New Roman" panose="02020603050405020304" pitchFamily="18" charset="0"/>
-                        <a:cs typeface="Times New Roman" panose="02020603050405020304" pitchFamily="18" charset="0"/>
-                      </a:endParaRPr>
                     </a:p>
                   </a:txBody>
                   <a:tcPr/>
@@ -9200,30 +8992,26 @@
                     <a:p>
                       <a:pPr algn="just"/>
                       <a:r>
-                        <a:rPr lang="en-US" dirty="0">
+                        <a:rPr lang="en-US" sz="2000" dirty="0">
                           <a:latin typeface="Times New Roman" panose="02020603050405020304" pitchFamily="18" charset="0"/>
                           <a:cs typeface="Times New Roman" panose="02020603050405020304" pitchFamily="18" charset="0"/>
                         </a:rPr>
                         <a:t>A </a:t>
                       </a:r>
                       <a:r>
-                        <a:rPr lang="en-US" b="1" dirty="0">
+                        <a:rPr lang="en-US" sz="2000" b="1" dirty="0">
                           <a:latin typeface="Times New Roman" panose="02020603050405020304" pitchFamily="18" charset="0"/>
                           <a:cs typeface="Times New Roman" panose="02020603050405020304" pitchFamily="18" charset="0"/>
                         </a:rPr>
                         <a:t>Real-Time Language Translator</a:t>
                       </a:r>
                       <a:r>
-                        <a:rPr lang="en-US" dirty="0">
+                        <a:rPr lang="en-US" sz="2000" dirty="0">
                           <a:latin typeface="Times New Roman" panose="02020603050405020304" pitchFamily="18" charset="0"/>
                           <a:cs typeface="Times New Roman" panose="02020603050405020304" pitchFamily="18" charset="0"/>
                         </a:rPr>
                         <a:t> is a system that quickly translates spoken or written words from one language to another as the conversation happens. It uses speech recognition to understand the input, machine translation to convert it, and text-to-speech to speak the translated output</a:t>
                       </a:r>
-                      <a:endParaRPr lang="en-US" sz="1800" dirty="0">
-                        <a:latin typeface="Times New Roman" panose="02020603050405020304" pitchFamily="18" charset="0"/>
-                        <a:cs typeface="Times New Roman" panose="02020603050405020304" pitchFamily="18" charset="0"/>
-                      </a:endParaRPr>
                     </a:p>
                   </a:txBody>
                   <a:tcPr/>
@@ -9248,6 +9036,9 @@
   <p:clrMapOvr>
     <a:masterClrMapping/>
   </p:clrMapOvr>
+  <p:transition spd="slow">
+    <p:randomBar dir="vert"/>
+  </p:transition>
 </p:sld>
 </file>
 
@@ -9636,6 +9427,9 @@
   <p:clrMapOvr>
     <a:masterClrMapping/>
   </p:clrMapOvr>
+  <p:transition spd="slow">
+    <p:wipe/>
+  </p:transition>
 </p:sld>
 </file>
 
@@ -10024,6 +9818,9 @@
   <p:clrMapOvr>
     <a:masterClrMapping/>
   </p:clrMapOvr>
+  <p:transition spd="slow">
+    <p:cover/>
+  </p:transition>
 </p:sld>
 </file>
 
@@ -10225,7 +10022,7 @@
           <a:p>
             <a:pPr algn="ctr"/>
             <a:r>
-              <a:rPr lang="en-US" sz="2400" b="1" kern="1200">
+              <a:rPr lang="en-US" sz="2400" b="1" kern="1200" dirty="0">
                 <a:solidFill>
                   <a:srgbClr val="FFFFFF"/>
                 </a:solidFill>
@@ -10442,8 +10239,8 @@
         </p:blipFill>
         <p:spPr>
           <a:xfrm>
-            <a:off x="3392434" y="0"/>
-            <a:ext cx="8799566" cy="6858000"/>
+            <a:off x="3399444" y="217967"/>
+            <a:ext cx="8799566" cy="6422065"/>
           </a:xfrm>
           <a:prstGeom prst="rect">
             <a:avLst/>
@@ -10460,6 +10257,18 @@
   <p:clrMapOvr>
     <a:masterClrMapping/>
   </p:clrMapOvr>
+  <mc:AlternateContent xmlns:mc="http://schemas.openxmlformats.org/markup-compatibility/2006" xmlns:p15="http://schemas.microsoft.com/office/powerpoint/2012/main">
+    <mc:Choice Requires="p15">
+      <p:transition xmlns:p14="http://schemas.microsoft.com/office/powerpoint/2010/main" spd="slow" p14:dur="2000">
+        <p15:prstTrans prst="drape"/>
+      </p:transition>
+    </mc:Choice>
+    <mc:Fallback xmlns="">
+      <p:transition spd="slow">
+        <p:fade/>
+      </p:transition>
+    </mc:Fallback>
+  </mc:AlternateContent>
 </p:sld>
 </file>
 
@@ -10888,6 +10697,9 @@
   <p:clrMapOvr>
     <a:masterClrMapping/>
   </p:clrMapOvr>
+  <p:transition spd="slow">
+    <p:wheel spokes="1"/>
+  </p:transition>
 </p:sld>
 </file>
 

--- a/PPT/finel ppt.pptx
+++ b/PPT/finel ppt.pptx
@@ -259,7 +259,7 @@
           <a:p>
             <a:fld id="{46F3E964-412C-478F-9619-34D45A6C4A3D}" type="datetimeFigureOut">
               <a:rPr lang="en-IN" smtClean="0"/>
-              <a:t>07-11-2025</a:t>
+              <a:t>08-11-2025</a:t>
             </a:fld>
             <a:endParaRPr lang="en-IN"/>
           </a:p>
@@ -715,6 +715,174 @@
 </p:notes>
 </file>
 
+<file path=ppt/notesSlides/notesSlide3.xml><?xml version="1.0" encoding="utf-8"?>
+<p:notes xmlns:a="http://schemas.openxmlformats.org/drawingml/2006/main" xmlns:r="http://schemas.openxmlformats.org/officeDocument/2006/relationships" xmlns:p="http://schemas.openxmlformats.org/presentationml/2006/main">
+  <p:cSld>
+    <p:spTree>
+      <p:nvGrpSpPr>
+        <p:cNvPr id="1" name=""/>
+        <p:cNvGrpSpPr/>
+        <p:nvPr/>
+      </p:nvGrpSpPr>
+      <p:grpSpPr>
+        <a:xfrm>
+          <a:off x="0" y="0"/>
+          <a:ext cx="0" cy="0"/>
+          <a:chOff x="0" y="0"/>
+          <a:chExt cx="0" cy="0"/>
+        </a:xfrm>
+      </p:grpSpPr>
+      <p:sp>
+        <p:nvSpPr>
+          <p:cNvPr id="2" name="Slide Image Placeholder 1"/>
+          <p:cNvSpPr>
+            <a:spLocks noGrp="1" noRot="1" noChangeAspect="1"/>
+          </p:cNvSpPr>
+          <p:nvPr>
+            <p:ph type="sldImg"/>
+          </p:nvPr>
+        </p:nvSpPr>
+        <p:spPr/>
+      </p:sp>
+      <p:sp>
+        <p:nvSpPr>
+          <p:cNvPr id="3" name="Notes Placeholder 2"/>
+          <p:cNvSpPr>
+            <a:spLocks noGrp="1"/>
+          </p:cNvSpPr>
+          <p:nvPr>
+            <p:ph type="body" idx="1"/>
+          </p:nvPr>
+        </p:nvSpPr>
+        <p:spPr/>
+        <p:txBody>
+          <a:bodyPr/>
+          <a:lstStyle/>
+          <a:p>
+            <a:endParaRPr lang="en-US"/>
+          </a:p>
+        </p:txBody>
+      </p:sp>
+      <p:sp>
+        <p:nvSpPr>
+          <p:cNvPr id="4" name="Slide Number Placeholder 3"/>
+          <p:cNvSpPr>
+            <a:spLocks noGrp="1"/>
+          </p:cNvSpPr>
+          <p:nvPr>
+            <p:ph type="sldNum" sz="quarter" idx="5"/>
+          </p:nvPr>
+        </p:nvSpPr>
+        <p:spPr/>
+        <p:txBody>
+          <a:bodyPr/>
+          <a:lstStyle/>
+          <a:p>
+            <a:fld id="{E85610E9-D64E-418E-97DA-885A457A7DE4}" type="slidenum">
+              <a:rPr lang="en-IN" smtClean="0"/>
+              <a:t>12</a:t>
+            </a:fld>
+            <a:endParaRPr lang="en-IN"/>
+          </a:p>
+        </p:txBody>
+      </p:sp>
+    </p:spTree>
+    <p:extLst>
+      <p:ext uri="{BB962C8B-B14F-4D97-AF65-F5344CB8AC3E}">
+        <p14:creationId xmlns:p14="http://schemas.microsoft.com/office/powerpoint/2010/main" val="3807724550"/>
+      </p:ext>
+    </p:extLst>
+  </p:cSld>
+  <p:clrMapOvr>
+    <a:masterClrMapping/>
+  </p:clrMapOvr>
+</p:notes>
+</file>
+
+<file path=ppt/notesSlides/notesSlide4.xml><?xml version="1.0" encoding="utf-8"?>
+<p:notes xmlns:a="http://schemas.openxmlformats.org/drawingml/2006/main" xmlns:r="http://schemas.openxmlformats.org/officeDocument/2006/relationships" xmlns:p="http://schemas.openxmlformats.org/presentationml/2006/main">
+  <p:cSld>
+    <p:spTree>
+      <p:nvGrpSpPr>
+        <p:cNvPr id="1" name=""/>
+        <p:cNvGrpSpPr/>
+        <p:nvPr/>
+      </p:nvGrpSpPr>
+      <p:grpSpPr>
+        <a:xfrm>
+          <a:off x="0" y="0"/>
+          <a:ext cx="0" cy="0"/>
+          <a:chOff x="0" y="0"/>
+          <a:chExt cx="0" cy="0"/>
+        </a:xfrm>
+      </p:grpSpPr>
+      <p:sp>
+        <p:nvSpPr>
+          <p:cNvPr id="2" name="Slide Image Placeholder 1"/>
+          <p:cNvSpPr>
+            <a:spLocks noGrp="1" noRot="1" noChangeAspect="1"/>
+          </p:cNvSpPr>
+          <p:nvPr>
+            <p:ph type="sldImg"/>
+          </p:nvPr>
+        </p:nvSpPr>
+        <p:spPr/>
+      </p:sp>
+      <p:sp>
+        <p:nvSpPr>
+          <p:cNvPr id="3" name="Notes Placeholder 2"/>
+          <p:cNvSpPr>
+            <a:spLocks noGrp="1"/>
+          </p:cNvSpPr>
+          <p:nvPr>
+            <p:ph type="body" idx="1"/>
+          </p:nvPr>
+        </p:nvSpPr>
+        <p:spPr/>
+        <p:txBody>
+          <a:bodyPr/>
+          <a:lstStyle/>
+          <a:p>
+            <a:endParaRPr lang="en-US"/>
+          </a:p>
+        </p:txBody>
+      </p:sp>
+      <p:sp>
+        <p:nvSpPr>
+          <p:cNvPr id="4" name="Slide Number Placeholder 3"/>
+          <p:cNvSpPr>
+            <a:spLocks noGrp="1"/>
+          </p:cNvSpPr>
+          <p:nvPr>
+            <p:ph type="sldNum" sz="quarter" idx="5"/>
+          </p:nvPr>
+        </p:nvSpPr>
+        <p:spPr/>
+        <p:txBody>
+          <a:bodyPr/>
+          <a:lstStyle/>
+          <a:p>
+            <a:fld id="{E85610E9-D64E-418E-97DA-885A457A7DE4}" type="slidenum">
+              <a:rPr lang="en-IN" smtClean="0"/>
+              <a:t>13</a:t>
+            </a:fld>
+            <a:endParaRPr lang="en-IN"/>
+          </a:p>
+        </p:txBody>
+      </p:sp>
+    </p:spTree>
+    <p:extLst>
+      <p:ext uri="{BB962C8B-B14F-4D97-AF65-F5344CB8AC3E}">
+        <p14:creationId xmlns:p14="http://schemas.microsoft.com/office/powerpoint/2010/main" val="650615241"/>
+      </p:ext>
+    </p:extLst>
+  </p:cSld>
+  <p:clrMapOvr>
+    <a:masterClrMapping/>
+  </p:clrMapOvr>
+</p:notes>
+</file>
+
 <file path=ppt/slideLayouts/slideLayout1.xml><?xml version="1.0" encoding="utf-8"?>
 <p:sldLayout xmlns:a="http://schemas.openxmlformats.org/drawingml/2006/main" xmlns:r="http://schemas.openxmlformats.org/officeDocument/2006/relationships" xmlns:p="http://schemas.openxmlformats.org/presentationml/2006/main" type="title" preserve="1">
   <p:cSld name="Title Slide">
@@ -862,7 +1030,7 @@
           <a:p>
             <a:fld id="{1A3A546F-4A94-4493-9026-E98BE3464FC9}" type="datetimeFigureOut">
               <a:rPr lang="en-IN" smtClean="0"/>
-              <a:t>07-11-2025</a:t>
+              <a:t>08-11-2025</a:t>
             </a:fld>
             <a:endParaRPr lang="en-IN" dirty="0"/>
           </a:p>
@@ -1060,7 +1228,7 @@
           <a:p>
             <a:fld id="{1A3A546F-4A94-4493-9026-E98BE3464FC9}" type="datetimeFigureOut">
               <a:rPr lang="en-IN" smtClean="0"/>
-              <a:t>07-11-2025</a:t>
+              <a:t>08-11-2025</a:t>
             </a:fld>
             <a:endParaRPr lang="en-IN" dirty="0"/>
           </a:p>
@@ -1268,7 +1436,7 @@
           <a:p>
             <a:fld id="{1A3A546F-4A94-4493-9026-E98BE3464FC9}" type="datetimeFigureOut">
               <a:rPr lang="en-IN" smtClean="0"/>
-              <a:t>07-11-2025</a:t>
+              <a:t>08-11-2025</a:t>
             </a:fld>
             <a:endParaRPr lang="en-IN" dirty="0"/>
           </a:p>
@@ -1466,7 +1634,7 @@
           <a:p>
             <a:fld id="{1A3A546F-4A94-4493-9026-E98BE3464FC9}" type="datetimeFigureOut">
               <a:rPr lang="en-IN" smtClean="0"/>
-              <a:t>07-11-2025</a:t>
+              <a:t>08-11-2025</a:t>
             </a:fld>
             <a:endParaRPr lang="en-IN" dirty="0"/>
           </a:p>
@@ -1741,7 +1909,7 @@
           <a:p>
             <a:fld id="{1A3A546F-4A94-4493-9026-E98BE3464FC9}" type="datetimeFigureOut">
               <a:rPr lang="en-IN" smtClean="0"/>
-              <a:t>07-11-2025</a:t>
+              <a:t>08-11-2025</a:t>
             </a:fld>
             <a:endParaRPr lang="en-IN" dirty="0"/>
           </a:p>
@@ -2006,7 +2174,7 @@
           <a:p>
             <a:fld id="{1A3A546F-4A94-4493-9026-E98BE3464FC9}" type="datetimeFigureOut">
               <a:rPr lang="en-IN" smtClean="0"/>
-              <a:t>07-11-2025</a:t>
+              <a:t>08-11-2025</a:t>
             </a:fld>
             <a:endParaRPr lang="en-IN" dirty="0"/>
           </a:p>
@@ -2418,7 +2586,7 @@
           <a:p>
             <a:fld id="{1A3A546F-4A94-4493-9026-E98BE3464FC9}" type="datetimeFigureOut">
               <a:rPr lang="en-IN" smtClean="0"/>
-              <a:t>07-11-2025</a:t>
+              <a:t>08-11-2025</a:t>
             </a:fld>
             <a:endParaRPr lang="en-IN" dirty="0"/>
           </a:p>
@@ -2559,7 +2727,7 @@
           <a:p>
             <a:fld id="{1A3A546F-4A94-4493-9026-E98BE3464FC9}" type="datetimeFigureOut">
               <a:rPr lang="en-IN" smtClean="0"/>
-              <a:t>07-11-2025</a:t>
+              <a:t>08-11-2025</a:t>
             </a:fld>
             <a:endParaRPr lang="en-IN" dirty="0"/>
           </a:p>
@@ -2672,7 +2840,7 @@
           <a:p>
             <a:fld id="{1A3A546F-4A94-4493-9026-E98BE3464FC9}" type="datetimeFigureOut">
               <a:rPr lang="en-IN" smtClean="0"/>
-              <a:t>07-11-2025</a:t>
+              <a:t>08-11-2025</a:t>
             </a:fld>
             <a:endParaRPr lang="en-IN" dirty="0"/>
           </a:p>
@@ -2983,7 +3151,7 @@
           <a:p>
             <a:fld id="{1A3A546F-4A94-4493-9026-E98BE3464FC9}" type="datetimeFigureOut">
               <a:rPr lang="en-IN" smtClean="0"/>
-              <a:t>07-11-2025</a:t>
+              <a:t>08-11-2025</a:t>
             </a:fld>
             <a:endParaRPr lang="en-IN" dirty="0"/>
           </a:p>
@@ -3271,7 +3439,7 @@
           <a:p>
             <a:fld id="{1A3A546F-4A94-4493-9026-E98BE3464FC9}" type="datetimeFigureOut">
               <a:rPr lang="en-IN" smtClean="0"/>
-              <a:t>07-11-2025</a:t>
+              <a:t>08-11-2025</a:t>
             </a:fld>
             <a:endParaRPr lang="en-IN" dirty="0"/>
           </a:p>
@@ -3512,7 +3680,7 @@
           <a:p>
             <a:fld id="{1A3A546F-4A94-4493-9026-E98BE3464FC9}" type="datetimeFigureOut">
               <a:rPr lang="en-IN" smtClean="0"/>
-              <a:t>07-11-2025</a:t>
+              <a:t>08-11-2025</a:t>
             </a:fld>
             <a:endParaRPr lang="en-IN" dirty="0"/>
           </a:p>
@@ -3969,7 +4137,7 @@
                 </a:effectLst>
                 <a:latin typeface="Colonna MT" panose="04020805060202030203" pitchFamily="82" charset="0"/>
               </a:rPr>
-              <a:t>SAHAKAR MAHARSHI SHANKARRAO MOHITE-PATIL INSTITUTE OF TECHNOLOGY AND RESEARCH AKLUJ</a:t>
+              <a:t>SAHAKAR MAHARSHI SHANKARRAO MOHITE-PATIL INSTITUTE OF TECHNOLOGY AND RESEARCH, AKLUJ</a:t>
             </a:r>
             <a:endParaRPr lang="en-IN" sz="3200" dirty="0"/>
           </a:p>
@@ -3993,8 +4161,8 @@
         </p:nvSpPr>
         <p:spPr>
           <a:xfrm>
-            <a:off x="0" y="1173018"/>
-            <a:ext cx="12192000" cy="5785539"/>
+            <a:off x="0" y="1347019"/>
+            <a:ext cx="12192000" cy="5955667"/>
           </a:xfrm>
         </p:spPr>
         <p:txBody>
@@ -4097,6 +4265,58 @@
             </a:r>
           </a:p>
           <a:p>
+            <a:pPr>
+              <a:lnSpc>
+                <a:spcPct val="100000"/>
+              </a:lnSpc>
+              <a:spcBef>
+                <a:spcPts val="0"/>
+              </a:spcBef>
+            </a:pPr>
+            <a:r>
+              <a:rPr lang="en-IN" dirty="0">
+                <a:latin typeface="Times New Roman" panose="02020603050405020304" pitchFamily="18" charset="0"/>
+                <a:ea typeface="Calibri" panose="020F0502020204030204" pitchFamily="34" charset="0"/>
+                <a:cs typeface="Times New Roman" panose="02020603050405020304" pitchFamily="18" charset="0"/>
+              </a:rPr>
+              <a:t>Mr. </a:t>
+            </a:r>
+            <a:r>
+              <a:rPr lang="en-IN" dirty="0" err="1">
+                <a:latin typeface="Times New Roman" panose="02020603050405020304" pitchFamily="18" charset="0"/>
+                <a:ea typeface="Calibri" panose="020F0502020204030204" pitchFamily="34" charset="0"/>
+                <a:cs typeface="Times New Roman" panose="02020603050405020304" pitchFamily="18" charset="0"/>
+              </a:rPr>
+              <a:t>Bhaskare</a:t>
+            </a:r>
+            <a:r>
+              <a:rPr lang="en-IN" dirty="0">
+                <a:latin typeface="Times New Roman" panose="02020603050405020304" pitchFamily="18" charset="0"/>
+                <a:ea typeface="Calibri" panose="020F0502020204030204" pitchFamily="34" charset="0"/>
+                <a:cs typeface="Times New Roman" panose="02020603050405020304" pitchFamily="18" charset="0"/>
+              </a:rPr>
+              <a:t> Rushikesh Nagesh</a:t>
+            </a:r>
+          </a:p>
+          <a:p>
+            <a:pPr>
+              <a:lnSpc>
+                <a:spcPct val="100000"/>
+              </a:lnSpc>
+              <a:spcBef>
+                <a:spcPts val="0"/>
+              </a:spcBef>
+            </a:pPr>
+            <a:r>
+              <a:rPr lang="en-IN" dirty="0">
+                <a:latin typeface="Times New Roman" panose="02020603050405020304" pitchFamily="18" charset="0"/>
+                <a:ea typeface="Calibri" panose="020F0502020204030204" pitchFamily="34" charset="0"/>
+                <a:cs typeface="Times New Roman" panose="02020603050405020304" pitchFamily="18" charset="0"/>
+              </a:rPr>
+              <a:t>Mr. Kshirsagar Gajanan Santosh </a:t>
+            </a:r>
+          </a:p>
+          <a:p>
             <a:pPr algn="ctr">
               <a:lnSpc>
                 <a:spcPct val="100000"/>
@@ -4111,23 +4331,7 @@
                 <a:ea typeface="Calibri" panose="020F0502020204030204" pitchFamily="34" charset="0"/>
                 <a:cs typeface="Times New Roman" panose="02020603050405020304" pitchFamily="18" charset="0"/>
               </a:rPr>
-              <a:t>Mr. </a:t>
-            </a:r>
-            <a:r>
-              <a:rPr lang="en-IN" dirty="0" err="1">
-                <a:latin typeface="Times New Roman" panose="02020603050405020304" pitchFamily="18" charset="0"/>
-                <a:ea typeface="Calibri" panose="020F0502020204030204" pitchFamily="34" charset="0"/>
-                <a:cs typeface="Times New Roman" panose="02020603050405020304" pitchFamily="18" charset="0"/>
-              </a:rPr>
-              <a:t>Bhaskare</a:t>
-            </a:r>
-            <a:r>
-              <a:rPr lang="en-IN" dirty="0">
-                <a:latin typeface="Times New Roman" panose="02020603050405020304" pitchFamily="18" charset="0"/>
-                <a:ea typeface="Calibri" panose="020F0502020204030204" pitchFamily="34" charset="0"/>
-                <a:cs typeface="Times New Roman" panose="02020603050405020304" pitchFamily="18" charset="0"/>
-              </a:rPr>
-              <a:t> Rushikesh Nagesh</a:t>
+              <a:t>Mr. Sul Tanish Bhagwat </a:t>
             </a:r>
           </a:p>
           <a:p>
@@ -4139,14 +4343,11 @@
                 <a:spcPts val="0"/>
               </a:spcBef>
             </a:pPr>
-            <a:r>
-              <a:rPr lang="en-IN" dirty="0">
-                <a:latin typeface="Times New Roman" panose="02020603050405020304" pitchFamily="18" charset="0"/>
-                <a:ea typeface="Calibri" panose="020F0502020204030204" pitchFamily="34" charset="0"/>
-                <a:cs typeface="Times New Roman" panose="02020603050405020304" pitchFamily="18" charset="0"/>
-              </a:rPr>
-              <a:t>Mr. Sul Tanish Bhagwat </a:t>
-            </a:r>
+            <a:endParaRPr lang="en-IN" dirty="0">
+              <a:latin typeface="Times New Roman" panose="02020603050405020304" pitchFamily="18" charset="0"/>
+              <a:ea typeface="Calibri" panose="020F0502020204030204" pitchFamily="34" charset="0"/>
+              <a:cs typeface="Times New Roman" panose="02020603050405020304" pitchFamily="18" charset="0"/>
+            </a:endParaRPr>
           </a:p>
           <a:p>
             <a:pPr algn="ctr">
@@ -4158,26 +4359,11 @@
               </a:spcBef>
             </a:pPr>
             <a:r>
-              <a:rPr lang="en-IN" dirty="0">
-                <a:latin typeface="Times New Roman" panose="02020603050405020304" pitchFamily="18" charset="0"/>
-                <a:ea typeface="Calibri" panose="020F0502020204030204" pitchFamily="34" charset="0"/>
-                <a:cs typeface="Times New Roman" panose="02020603050405020304" pitchFamily="18" charset="0"/>
-              </a:rPr>
-              <a:t>Mr. Kshirsagar Gajanan Santosh </a:t>
-            </a:r>
-          </a:p>
-          <a:p>
-            <a:pPr marR="2535555" algn="ctr">
-              <a:lnSpc>
-                <a:spcPct val="100000"/>
-              </a:lnSpc>
-            </a:pPr>
-            <a:r>
               <a:rPr lang="en-US" sz="2000" b="1" dirty="0">
                 <a:latin typeface="Times New Roman" panose="02020603050405020304" pitchFamily="18" charset="0"/>
                 <a:cs typeface="Times New Roman" panose="02020603050405020304" pitchFamily="18" charset="0"/>
               </a:rPr>
-              <a:t>                                      Under  guidance</a:t>
+              <a:t>Under  guidance</a:t>
             </a:r>
           </a:p>
           <a:p>
@@ -4581,13 +4767,12 @@
           <a:lstStyle/>
           <a:p>
             <a:r>
-              <a:rPr lang="en-US" sz="4100" b="1" kern="1200">
+              <a:rPr lang="en-US" sz="4100" b="1" kern="1200" dirty="0">
                 <a:solidFill>
                   <a:srgbClr val="FFFFFF"/>
                 </a:solidFill>
-                <a:latin typeface="+mj-lt"/>
-                <a:ea typeface="+mj-ea"/>
-                <a:cs typeface="+mj-cs"/>
+                <a:latin typeface="Times New Roman" panose="02020603050405020304" pitchFamily="18" charset="0"/>
+                <a:cs typeface="Times New Roman" panose="02020603050405020304" pitchFamily="18" charset="0"/>
               </a:rPr>
               <a:t>Software &amp; Hardware Requirement </a:t>
             </a:r>
@@ -4664,7 +4849,7 @@
         <p:spPr>
           <a:xfrm>
             <a:off x="4447308" y="591344"/>
-            <a:ext cx="6906491" cy="5585619"/>
+            <a:ext cx="7419572" cy="5585619"/>
           </a:xfrm>
           <a:prstGeom prst="rect">
             <a:avLst/>
@@ -4676,7 +4861,7 @@
           </a:bodyPr>
           <a:lstStyle/>
           <a:p>
-            <a:pPr marL="301400">
+            <a:pPr marL="301400" algn="just">
               <a:lnSpc>
                 <a:spcPct val="90000"/>
               </a:lnSpc>
@@ -4686,20 +4871,20 @@
               <a:defRPr/>
             </a:pPr>
             <a:r>
-              <a:rPr lang="en-US" b="1" dirty="0">
+              <a:rPr lang="en-US" sz="2800" b="1" dirty="0">
                 <a:latin typeface="Times New Roman" panose="02020603050405020304" pitchFamily="18" charset="0"/>
                 <a:cs typeface="Times New Roman" panose="02020603050405020304" pitchFamily="18" charset="0"/>
                 <a:sym typeface="+mn-ea"/>
               </a:rPr>
               <a:t>Hardware Requirements: </a:t>
             </a:r>
-            <a:endParaRPr lang="en-US" dirty="0">
+            <a:endParaRPr lang="en-US" sz="2800" dirty="0">
               <a:latin typeface="Times New Roman" panose="02020603050405020304" pitchFamily="18" charset="0"/>
               <a:cs typeface="Times New Roman" panose="02020603050405020304" pitchFamily="18" charset="0"/>
             </a:endParaRPr>
           </a:p>
           <a:p>
-            <a:pPr>
+            <a:pPr algn="just">
               <a:lnSpc>
                 <a:spcPct val="90000"/>
               </a:lnSpc>
@@ -4709,7 +4894,7 @@
               <a:defRPr/>
             </a:pPr>
             <a:r>
-              <a:rPr lang="en-US" dirty="0">
+              <a:rPr lang="en-US" sz="2800" dirty="0">
                 <a:latin typeface="Times New Roman" panose="02020603050405020304" pitchFamily="18" charset="0"/>
                 <a:cs typeface="Times New Roman" panose="02020603050405020304" pitchFamily="18" charset="0"/>
                 <a:sym typeface="+mn-ea"/>
@@ -4717,7 +4902,7 @@
               <a:t>	Processor : Intel i</a:t>
             </a:r>
             <a:r>
-              <a:rPr lang="en-US" altLang="en-US" dirty="0">
+              <a:rPr lang="en-US" altLang="en-US" sz="2800" dirty="0">
                 <a:latin typeface="Times New Roman" panose="02020603050405020304" pitchFamily="18" charset="0"/>
                 <a:cs typeface="Times New Roman" panose="02020603050405020304" pitchFamily="18" charset="0"/>
                 <a:sym typeface="+mn-ea"/>
@@ -4725,20 +4910,20 @@
               <a:t>5</a:t>
             </a:r>
             <a:r>
-              <a:rPr lang="en-US" dirty="0">
+              <a:rPr lang="en-US" sz="2800" dirty="0">
                 <a:latin typeface="Times New Roman" panose="02020603050405020304" pitchFamily="18" charset="0"/>
                 <a:cs typeface="Times New Roman" panose="02020603050405020304" pitchFamily="18" charset="0"/>
                 <a:sym typeface="+mn-ea"/>
               </a:rPr>
               <a:t> or more</a:t>
             </a:r>
-            <a:endParaRPr lang="en-US" dirty="0">
+            <a:endParaRPr lang="en-US" sz="2800" dirty="0">
               <a:latin typeface="Times New Roman" panose="02020603050405020304" pitchFamily="18" charset="0"/>
               <a:cs typeface="Times New Roman" panose="02020603050405020304" pitchFamily="18" charset="0"/>
             </a:endParaRPr>
           </a:p>
           <a:p>
-            <a:pPr>
+            <a:pPr algn="just">
               <a:lnSpc>
                 <a:spcPct val="90000"/>
               </a:lnSpc>
@@ -4748,20 +4933,20 @@
               <a:defRPr/>
             </a:pPr>
             <a:r>
-              <a:rPr lang="en-US" dirty="0">
+              <a:rPr lang="en-US" sz="2800" dirty="0">
                 <a:latin typeface="Times New Roman" panose="02020603050405020304" pitchFamily="18" charset="0"/>
                 <a:cs typeface="Times New Roman" panose="02020603050405020304" pitchFamily="18" charset="0"/>
                 <a:sym typeface="+mn-ea"/>
               </a:rPr>
-              <a:t>	Speed 	: 2.4 GHz</a:t>
-            </a:r>
-            <a:endParaRPr lang="en-US" dirty="0">
+              <a:t>	Speed : 2.4 GHz</a:t>
+            </a:r>
+            <a:endParaRPr lang="en-US" sz="2800" dirty="0">
               <a:latin typeface="Times New Roman" panose="02020603050405020304" pitchFamily="18" charset="0"/>
               <a:cs typeface="Times New Roman" panose="02020603050405020304" pitchFamily="18" charset="0"/>
             </a:endParaRPr>
           </a:p>
           <a:p>
-            <a:pPr>
+            <a:pPr algn="just">
               <a:lnSpc>
                 <a:spcPct val="90000"/>
               </a:lnSpc>
@@ -4771,7 +4956,7 @@
               <a:defRPr/>
             </a:pPr>
             <a:r>
-              <a:rPr lang="en-US" dirty="0">
+              <a:rPr lang="en-US" sz="2800" dirty="0">
                 <a:latin typeface="Times New Roman" panose="02020603050405020304" pitchFamily="18" charset="0"/>
                 <a:cs typeface="Times New Roman" panose="02020603050405020304" pitchFamily="18" charset="0"/>
                 <a:sym typeface="+mn-ea"/>
@@ -4779,7 +4964,7 @@
               <a:t>	RAM 	: </a:t>
             </a:r>
             <a:r>
-              <a:rPr lang="en-US" altLang="en-US" dirty="0">
+              <a:rPr lang="en-US" altLang="en-US" sz="2800" dirty="0">
                 <a:latin typeface="Times New Roman" panose="02020603050405020304" pitchFamily="18" charset="0"/>
                 <a:cs typeface="Times New Roman" panose="02020603050405020304" pitchFamily="18" charset="0"/>
                 <a:sym typeface="+mn-ea"/>
@@ -4787,7 +4972,7 @@
               <a:t>4</a:t>
             </a:r>
             <a:r>
-              <a:rPr lang="en-US" dirty="0">
+              <a:rPr lang="en-US" sz="2800" dirty="0">
                 <a:latin typeface="Times New Roman" panose="02020603050405020304" pitchFamily="18" charset="0"/>
                 <a:cs typeface="Times New Roman" panose="02020603050405020304" pitchFamily="18" charset="0"/>
                 <a:sym typeface="+mn-ea"/>
@@ -4795,20 +4980,20 @@
               <a:t>GB </a:t>
             </a:r>
             <a:r>
-              <a:rPr lang="en-US" altLang="en-US" dirty="0">
+              <a:rPr lang="en-US" altLang="en-US" sz="2800" dirty="0">
                 <a:latin typeface="Times New Roman" panose="02020603050405020304" pitchFamily="18" charset="0"/>
                 <a:cs typeface="Times New Roman" panose="02020603050405020304" pitchFamily="18" charset="0"/>
                 <a:sym typeface="+mn-ea"/>
               </a:rPr>
-              <a:t>(min)</a:t>
-            </a:r>
-            <a:endParaRPr lang="en-US" dirty="0">
+              <a:t>(min) </a:t>
+            </a:r>
+            <a:endParaRPr lang="en-US" sz="2800" dirty="0">
               <a:latin typeface="Times New Roman" panose="02020603050405020304" pitchFamily="18" charset="0"/>
               <a:cs typeface="Times New Roman" panose="02020603050405020304" pitchFamily="18" charset="0"/>
             </a:endParaRPr>
           </a:p>
           <a:p>
-            <a:pPr>
+            <a:pPr algn="just">
               <a:lnSpc>
                 <a:spcPct val="90000"/>
               </a:lnSpc>
@@ -4818,20 +5003,20 @@
               <a:defRPr/>
             </a:pPr>
             <a:r>
-              <a:rPr lang="en-US" dirty="0">
+              <a:rPr lang="en-US" sz="2800" dirty="0">
                 <a:latin typeface="Times New Roman" panose="02020603050405020304" pitchFamily="18" charset="0"/>
                 <a:cs typeface="Times New Roman" panose="02020603050405020304" pitchFamily="18" charset="0"/>
                 <a:sym typeface="+mn-ea"/>
               </a:rPr>
               <a:t>	Hard Disk : 50 GB</a:t>
             </a:r>
-            <a:endParaRPr lang="en-US" dirty="0">
+            <a:endParaRPr lang="en-US" sz="2800" dirty="0">
               <a:latin typeface="Times New Roman" panose="02020603050405020304" pitchFamily="18" charset="0"/>
               <a:cs typeface="Times New Roman" panose="02020603050405020304" pitchFamily="18" charset="0"/>
             </a:endParaRPr>
           </a:p>
           <a:p>
-            <a:pPr marL="301400">
+            <a:pPr marL="301400" algn="just">
               <a:lnSpc>
                 <a:spcPct val="90000"/>
               </a:lnSpc>
@@ -4841,20 +5026,20 @@
               <a:defRPr/>
             </a:pPr>
             <a:r>
-              <a:rPr lang="en-US" b="1" dirty="0">
+              <a:rPr lang="en-US" sz="2800" b="1" dirty="0">
                 <a:latin typeface="Times New Roman" panose="02020603050405020304" pitchFamily="18" charset="0"/>
                 <a:cs typeface="Times New Roman" panose="02020603050405020304" pitchFamily="18" charset="0"/>
                 <a:sym typeface="+mn-ea"/>
               </a:rPr>
               <a:t>Software Requirements:</a:t>
             </a:r>
-            <a:endParaRPr lang="en-US" dirty="0">
+            <a:endParaRPr lang="en-US" sz="2800" dirty="0">
               <a:latin typeface="Times New Roman" panose="02020603050405020304" pitchFamily="18" charset="0"/>
               <a:cs typeface="Times New Roman" panose="02020603050405020304" pitchFamily="18" charset="0"/>
             </a:endParaRPr>
           </a:p>
           <a:p>
-            <a:pPr>
+            <a:pPr algn="just">
               <a:lnSpc>
                 <a:spcPct val="90000"/>
               </a:lnSpc>
@@ -4864,29 +5049,16 @@
               <a:defRPr/>
             </a:pPr>
             <a:r>
-              <a:rPr lang="en-US" dirty="0">
+              <a:rPr lang="en-US" sz="2800" dirty="0">
                 <a:latin typeface="Times New Roman" panose="02020603050405020304" pitchFamily="18" charset="0"/>
                 <a:cs typeface="Times New Roman" panose="02020603050405020304" pitchFamily="18" charset="0"/>
                 <a:sym typeface="+mn-ea"/>
               </a:rPr>
-              <a:t>	Operating System : Windows 1</a:t>
-            </a:r>
-            <a:r>
-              <a:rPr lang="en-US" altLang="en-US" dirty="0">
-                <a:latin typeface="Times New Roman" panose="02020603050405020304" pitchFamily="18" charset="0"/>
-                <a:cs typeface="Times New Roman" panose="02020603050405020304" pitchFamily="18" charset="0"/>
-                <a:sym typeface="+mn-ea"/>
-              </a:rPr>
-              <a:t>1</a:t>
-            </a:r>
-            <a:endParaRPr lang="en-US" dirty="0">
-              <a:latin typeface="Times New Roman" panose="02020603050405020304" pitchFamily="18" charset="0"/>
-              <a:cs typeface="Times New Roman" panose="02020603050405020304" pitchFamily="18" charset="0"/>
-              <a:sym typeface="+mn-ea"/>
-            </a:endParaRPr>
-          </a:p>
-          <a:p>
-            <a:pPr>
+              <a:t>	Operating System : Windows 7 or more </a:t>
+            </a:r>
+          </a:p>
+          <a:p>
+            <a:pPr algn="just">
               <a:lnSpc>
                 <a:spcPct val="90000"/>
               </a:lnSpc>
@@ -4896,7 +5068,7 @@
               <a:defRPr/>
             </a:pPr>
             <a:r>
-              <a:rPr lang="en-US" dirty="0">
+              <a:rPr lang="en-US" sz="2800" dirty="0">
                 <a:latin typeface="Times New Roman" panose="02020603050405020304" pitchFamily="18" charset="0"/>
                 <a:cs typeface="Times New Roman" panose="02020603050405020304" pitchFamily="18" charset="0"/>
                 <a:sym typeface="+mn-ea"/>
@@ -4904,14 +5076,25 @@
               <a:t> </a:t>
             </a:r>
             <a:r>
-              <a:rPr lang="en-US" altLang="en-US" dirty="0">
+              <a:rPr lang="en-US" altLang="en-US" sz="2800" dirty="0">
                 <a:latin typeface="Times New Roman" panose="02020603050405020304" pitchFamily="18" charset="0"/>
                 <a:cs typeface="Times New Roman" panose="02020603050405020304" pitchFamily="18" charset="0"/>
                 <a:sym typeface="+mn-ea"/>
               </a:rPr>
-              <a:t>                Language :  Python, Angular, My SQL</a:t>
-            </a:r>
-            <a:endParaRPr lang="en-US" dirty="0">
+              <a:t>          Language :  Python, Angular, My SQL</a:t>
+            </a:r>
+          </a:p>
+          <a:p>
+            <a:pPr algn="just">
+              <a:lnSpc>
+                <a:spcPct val="90000"/>
+              </a:lnSpc>
+              <a:spcAft>
+                <a:spcPts val="600"/>
+              </a:spcAft>
+              <a:defRPr/>
+            </a:pPr>
+            <a:endParaRPr lang="en-US" sz="2800" dirty="0">
               <a:latin typeface="Times New Roman" panose="02020603050405020304" pitchFamily="18" charset="0"/>
               <a:cs typeface="Times New Roman" panose="02020603050405020304" pitchFamily="18" charset="0"/>
             </a:endParaRPr>
@@ -4927,7 +5110,7 @@
               <a:buFont typeface="Arial" panose="020B0604020202020204" pitchFamily="34" charset="0"/>
               <a:buChar char="•"/>
             </a:pPr>
-            <a:endParaRPr lang="en-US" dirty="0">
+            <a:endParaRPr lang="en-US" sz="2800" dirty="0">
               <a:latin typeface="Times New Roman" panose="02020603050405020304" pitchFamily="18" charset="0"/>
               <a:cs typeface="Times New Roman" panose="02020603050405020304" pitchFamily="18" charset="0"/>
             </a:endParaRPr>
@@ -5199,7 +5382,7 @@
           <a:lstStyle/>
           <a:p>
             <a:r>
-              <a:rPr lang="en-US" b="1">
+              <a:rPr lang="en-US" b="1" dirty="0">
                 <a:solidFill>
                   <a:srgbClr val="FFFFFF"/>
                 </a:solidFill>
@@ -5210,7 +5393,7 @@
               </a:rPr>
               <a:t>Advantages</a:t>
             </a:r>
-            <a:endParaRPr lang="en-US" b="1">
+            <a:endParaRPr lang="en-US" b="1" dirty="0">
               <a:solidFill>
                 <a:srgbClr val="FFFFFF"/>
               </a:solidFill>
@@ -5340,25 +5523,6 @@
             <a:normAutofit/>
           </a:bodyPr>
           <a:lstStyle/>
-          <a:p>
-            <a:pPr lvl="0" eaLnBrk="0" fontAlgn="base" hangingPunct="0">
-              <a:spcBef>
-                <a:spcPct val="0"/>
-              </a:spcBef>
-              <a:spcAft>
-                <a:spcPts val="600"/>
-              </a:spcAft>
-              <a:buFont typeface="Wingdings" panose="05000000000000000000" pitchFamily="2" charset="2"/>
-              <a:buChar char="Ø"/>
-            </a:pPr>
-            <a:r>
-              <a:rPr lang="en-US" altLang="en-US" dirty="0">
-                <a:latin typeface="Times New Roman" panose="02020603050405020304" pitchFamily="18" charset="0"/>
-                <a:cs typeface="Times New Roman" panose="02020603050405020304" pitchFamily="18" charset="0"/>
-              </a:rPr>
-              <a:t>Removes language barriers – Helps people talk easily in different languages.</a:t>
-            </a:r>
-          </a:p>
           <a:p>
             <a:pPr lvl="0" eaLnBrk="0" fontAlgn="base" hangingPunct="0">
               <a:spcBef>
@@ -5846,18 +6010,11 @@
               <a:t>The </a:t>
             </a:r>
             <a:r>
-              <a:rPr lang="en-US" b="1" dirty="0" err="1">
-                <a:latin typeface="Times New Roman" panose="02020603050405020304" pitchFamily="18" charset="0"/>
-                <a:cs typeface="Times New Roman" panose="02020603050405020304" pitchFamily="18" charset="0"/>
-              </a:rPr>
-              <a:t>VoiceVerse</a:t>
-            </a:r>
-            <a:r>
               <a:rPr lang="en-US" b="1" dirty="0">
                 <a:latin typeface="Times New Roman" panose="02020603050405020304" pitchFamily="18" charset="0"/>
                 <a:cs typeface="Times New Roman" panose="02020603050405020304" pitchFamily="18" charset="0"/>
               </a:rPr>
-              <a:t> Translator</a:t>
+              <a:t>Voice Verse Translator</a:t>
             </a:r>
             <a:r>
               <a:rPr lang="en-US" dirty="0">
@@ -6252,8 +6409,8 @@
         </p:nvSpPr>
         <p:spPr>
           <a:xfrm>
-            <a:off x="4167272" y="704200"/>
-            <a:ext cx="8024728" cy="5449600"/>
+            <a:off x="4164224" y="560438"/>
+            <a:ext cx="7340942" cy="6153800"/>
           </a:xfrm>
         </p:spPr>
         <p:txBody>
@@ -6262,7 +6419,7 @@
           </a:bodyPr>
           <a:lstStyle/>
           <a:p>
-            <a:pPr marL="514350" indent="-514350">
+            <a:pPr marL="514350" indent="-514350" algn="just">
               <a:buFont typeface="+mj-lt"/>
               <a:buAutoNum type="arabicPeriod"/>
             </a:pPr>
@@ -6292,7 +6449,7 @@
                 <a:latin typeface="Times New Roman" panose="02020603050405020304" pitchFamily="18" charset="0"/>
                 <a:cs typeface="Times New Roman" panose="02020603050405020304" pitchFamily="18" charset="0"/>
               </a:rPr>
-              <a:t>Real Time Language Translator,</a:t>
+              <a:t>Real Time Language Translator</a:t>
             </a:r>
             <a:r>
               <a:rPr lang="en-US" sz="1800" dirty="0">
@@ -6317,7 +6474,7 @@
             </a:r>
           </a:p>
           <a:p>
-            <a:pPr marL="514350" indent="-514350">
+            <a:pPr marL="514350" indent="-514350" algn="just">
               <a:buFont typeface="+mj-lt"/>
               <a:buAutoNum type="arabicPeriod"/>
             </a:pPr>
@@ -6354,7 +6511,7 @@
                 <a:latin typeface="Times New Roman" panose="02020603050405020304" pitchFamily="18" charset="0"/>
                 <a:cs typeface="Times New Roman" panose="02020603050405020304" pitchFamily="18" charset="0"/>
               </a:rPr>
-              <a:t>,” </a:t>
+              <a:t>” </a:t>
             </a:r>
             <a:r>
               <a:rPr lang="en-US" sz="1800" i="1" dirty="0">
@@ -6372,7 +6529,7 @@
             </a:r>
           </a:p>
           <a:p>
-            <a:pPr marL="514350" indent="-514350">
+            <a:pPr marL="514350" indent="-514350" algn="just">
               <a:buFont typeface="+mj-lt"/>
               <a:buAutoNum type="arabicPeriod"/>
             </a:pPr>
@@ -6395,7 +6552,21 @@
                 <a:latin typeface="Times New Roman" panose="02020603050405020304" pitchFamily="18" charset="0"/>
                 <a:cs typeface="Times New Roman" panose="02020603050405020304" pitchFamily="18" charset="0"/>
               </a:rPr>
-              <a:t>, S. Gupta, and R. Pawar, “Real-Time Text and Speech Translation Using Sequence-to-Sequence Approach,” </a:t>
+              <a:t>, S. Gupta, and R. Pawar, </a:t>
+            </a:r>
+            <a:r>
+              <a:rPr lang="en-US" sz="1800" b="1" dirty="0">
+                <a:latin typeface="Times New Roman" panose="02020603050405020304" pitchFamily="18" charset="0"/>
+                <a:cs typeface="Times New Roman" panose="02020603050405020304" pitchFamily="18" charset="0"/>
+              </a:rPr>
+              <a:t>“Real-Time Text and Speech Translation Using Sequence-to-Sequence Approach</a:t>
+            </a:r>
+            <a:r>
+              <a:rPr lang="en-US" sz="1800" dirty="0">
+                <a:latin typeface="Times New Roman" panose="02020603050405020304" pitchFamily="18" charset="0"/>
+                <a:cs typeface="Times New Roman" panose="02020603050405020304" pitchFamily="18" charset="0"/>
+              </a:rPr>
+              <a:t>” </a:t>
             </a:r>
             <a:r>
               <a:rPr lang="en-US" sz="1800" i="1" dirty="0">
@@ -6406,7 +6577,7 @@
             </a:r>
           </a:p>
           <a:p>
-            <a:pPr marL="514350" indent="-514350">
+            <a:pPr marL="514350" indent="-514350" algn="just">
               <a:buFont typeface="+mj-lt"/>
               <a:buAutoNum type="arabicPeriod"/>
             </a:pPr>
@@ -6429,7 +6600,21 @@
                 <a:latin typeface="Times New Roman" panose="02020603050405020304" pitchFamily="18" charset="0"/>
                 <a:cs typeface="Times New Roman" panose="02020603050405020304" pitchFamily="18" charset="0"/>
               </a:rPr>
-              <a:t>, F. Choi, S. Saleem, P. Natarajan, M. Decerbo, and D. Stallard, “Real-Time Speech-to-Speech Translation for PDAs,” </a:t>
+              <a:t>, F. Choi, S. Saleem, P. Natarajan, M. Decerbo, and D. Stallard, “</a:t>
+            </a:r>
+            <a:r>
+              <a:rPr lang="en-US" sz="1800" b="1" dirty="0">
+                <a:latin typeface="Times New Roman" panose="02020603050405020304" pitchFamily="18" charset="0"/>
+                <a:cs typeface="Times New Roman" panose="02020603050405020304" pitchFamily="18" charset="0"/>
+              </a:rPr>
+              <a:t>Real-Time Speech-to-Speech Translation for PDAs</a:t>
+            </a:r>
+            <a:r>
+              <a:rPr lang="en-US" sz="1800" dirty="0">
+                <a:latin typeface="Times New Roman" panose="02020603050405020304" pitchFamily="18" charset="0"/>
+                <a:cs typeface="Times New Roman" panose="02020603050405020304" pitchFamily="18" charset="0"/>
+              </a:rPr>
+              <a:t>” </a:t>
             </a:r>
             <a:r>
               <a:rPr lang="en-US" sz="1800" i="1" dirty="0">
@@ -6489,6 +6674,51 @@
           <a:chExt cx="0" cy="0"/>
         </a:xfrm>
       </p:grpSpPr>
+      <p:pic>
+        <p:nvPicPr>
+          <p:cNvPr id="11" name="Picture 10">
+            <a:extLst>
+              <a:ext uri="{FF2B5EF4-FFF2-40B4-BE49-F238E27FC236}">
+                <a16:creationId xmlns:a16="http://schemas.microsoft.com/office/drawing/2014/main" id="{827FC1A2-981A-B05C-1438-BE21B141A61E}"/>
+              </a:ext>
+              <a:ext uri="{C183D7F6-B498-43B3-948B-1728B52AA6E4}">
+                <adec:decorative xmlns:adec="http://schemas.microsoft.com/office/drawing/2017/decorative" val="1"/>
+              </a:ext>
+            </a:extLst>
+          </p:cNvPr>
+          <p:cNvPicPr>
+            <a:picLocks noChangeAspect="1"/>
+          </p:cNvPicPr>
+          <p:nvPr/>
+        </p:nvPicPr>
+        <p:blipFill>
+          <a:blip r:embed="rId2">
+            <a:extLst>
+              <a:ext uri="{28A0092B-C50C-407E-A947-70E740481C1C}">
+                <a14:useLocalDpi xmlns:a14="http://schemas.microsoft.com/office/drawing/2010/main" val="0"/>
+              </a:ext>
+            </a:extLst>
+          </a:blip>
+          <a:stretch>
+            <a:fillRect/>
+          </a:stretch>
+        </p:blipFill>
+        <p:spPr>
+          <a:xfrm>
+            <a:off x="4177922" y="-132437"/>
+            <a:ext cx="8742244" cy="6990437"/>
+          </a:xfrm>
+          <a:prstGeom prst="rect">
+            <a:avLst/>
+          </a:prstGeom>
+          <a:ln>
+            <a:noFill/>
+          </a:ln>
+          <a:effectLst>
+            <a:softEdge rad="112500"/>
+          </a:effectLst>
+        </p:spPr>
+      </p:pic>
       <p:sp>
         <p:nvSpPr>
           <p:cNvPr id="12" name="TextBox 11">
@@ -6503,8 +6733,8 @@
         </p:nvSpPr>
         <p:spPr>
           <a:xfrm>
-            <a:off x="630936" y="2581574"/>
-            <a:ext cx="3429000" cy="3636346"/>
+            <a:off x="453168" y="2601238"/>
+            <a:ext cx="3724754" cy="1538143"/>
           </a:xfrm>
           <a:prstGeom prst="rect">
             <a:avLst/>
@@ -6541,48 +6771,57 @@
               </a:spcAft>
             </a:pPr>
             <a:r>
-              <a:rPr lang="en-US" sz="2200" u="sng" dirty="0"/>
+              <a:rPr lang="en-US" sz="2200" u="sng" dirty="0">
+                <a:solidFill>
+                  <a:schemeClr val="tx2">
+                    <a:lumMod val="50000"/>
+                    <a:lumOff val="50000"/>
+                  </a:schemeClr>
+                </a:solidFill>
+              </a:rPr>
               <a:t>https://github.com/sanketbodakhe68/finel-year-projet.git</a:t>
             </a:r>
           </a:p>
         </p:txBody>
       </p:sp>
-      <p:pic>
-        <p:nvPicPr>
-          <p:cNvPr id="11" name="Picture 10" descr="A thank you sign with blue and orange arrows">
-            <a:extLst>
-              <a:ext uri="{FF2B5EF4-FFF2-40B4-BE49-F238E27FC236}">
-                <a16:creationId xmlns:a16="http://schemas.microsoft.com/office/drawing/2014/main" id="{827FC1A2-981A-B05C-1438-BE21B141A61E}"/>
-              </a:ext>
-            </a:extLst>
-          </p:cNvPr>
-          <p:cNvPicPr>
-            <a:picLocks noChangeAspect="1"/>
-          </p:cNvPicPr>
-          <p:nvPr/>
-        </p:nvPicPr>
-        <p:blipFill>
-          <a:blip r:embed="rId2">
-            <a:extLst>
-              <a:ext uri="{28A0092B-C50C-407E-A947-70E740481C1C}">
-                <a14:useLocalDpi xmlns:a14="http://schemas.microsoft.com/office/drawing/2010/main" val="0"/>
-              </a:ext>
-            </a:extLst>
-          </a:blip>
-          <a:stretch>
-            <a:fillRect/>
-          </a:stretch>
-        </p:blipFill>
+      <p:sp>
+        <p:nvSpPr>
+          <p:cNvPr id="2" name="Title 1">
+            <a:extLst>
+              <a:ext uri="{FF2B5EF4-FFF2-40B4-BE49-F238E27FC236}">
+                <a16:creationId xmlns:a16="http://schemas.microsoft.com/office/drawing/2014/main" id="{E05A922A-CF93-B563-AC88-EF06E5C55D69}"/>
+              </a:ext>
+            </a:extLst>
+          </p:cNvPr>
+          <p:cNvSpPr>
+            <a:spLocks noGrp="1"/>
+          </p:cNvSpPr>
+          <p:nvPr>
+            <p:ph type="title"/>
+          </p:nvPr>
+        </p:nvSpPr>
         <p:spPr>
           <a:xfrm>
-            <a:off x="4059936" y="-132437"/>
-            <a:ext cx="8742244" cy="6990437"/>
+            <a:off x="9015742" y="3746239"/>
+            <a:ext cx="3018946" cy="393142"/>
           </a:xfrm>
-          <a:prstGeom prst="rect">
-            <a:avLst/>
-          </a:prstGeom>
         </p:spPr>
-      </p:pic>
+        <p:txBody>
+          <a:bodyPr>
+            <a:normAutofit/>
+          </a:bodyPr>
+          <a:lstStyle/>
+          <a:p>
+            <a:r>
+              <a:rPr lang="en-US" sz="2000" b="1" dirty="0">
+                <a:latin typeface="Times New Roman" panose="02020603050405020304" pitchFamily="18" charset="0"/>
+                <a:cs typeface="Times New Roman" panose="02020603050405020304" pitchFamily="18" charset="0"/>
+              </a:rPr>
+              <a:t>Ask any Questions ? </a:t>
+            </a:r>
+          </a:p>
+        </p:txBody>
+      </p:sp>
     </p:spTree>
     <p:extLst>
       <p:ext uri="{BB962C8B-B14F-4D97-AF65-F5344CB8AC3E}">
@@ -6856,7 +7095,7 @@
           <a:lstStyle/>
           <a:p>
             <a:r>
-              <a:rPr lang="en-IN" b="1">
+              <a:rPr lang="en-IN" b="1" dirty="0">
                 <a:solidFill>
                   <a:srgbClr val="FFFFFF"/>
                 </a:solidFill>
@@ -7502,7 +7741,7 @@
           <a:lstStyle/>
           <a:p>
             <a:r>
-              <a:rPr lang="en-IN" sz="4100" b="1">
+              <a:rPr lang="en-IN" sz="4100" b="1" dirty="0">
                 <a:solidFill>
                   <a:srgbClr val="FFFFFF"/>
                 </a:solidFill>
@@ -7512,7 +7751,7 @@
               <a:t>Introduction</a:t>
             </a:r>
             <a:br>
-              <a:rPr lang="en-IN" sz="4100">
+              <a:rPr lang="en-IN" sz="4100" dirty="0">
                 <a:solidFill>
                   <a:srgbClr val="FFFFFF"/>
                 </a:solidFill>
@@ -7520,7 +7759,7 @@
                 <a:cs typeface="Times New Roman" panose="02020603050405020304" pitchFamily="18" charset="0"/>
               </a:rPr>
             </a:br>
-            <a:endParaRPr lang="en-IN" sz="4100">
+            <a:endParaRPr lang="en-IN" sz="4100" dirty="0">
               <a:solidFill>
                 <a:srgbClr val="FFFFFF"/>
               </a:solidFill>
@@ -7613,11 +7852,14 @@
         </p:spPr>
         <p:txBody>
           <a:bodyPr anchor="ctr">
-            <a:normAutofit fontScale="92500" lnSpcReduction="10000"/>
+            <a:normAutofit fontScale="85000" lnSpcReduction="10000"/>
           </a:bodyPr>
           <a:lstStyle/>
           <a:p>
             <a:pPr marL="0" indent="0" algn="just">
+              <a:lnSpc>
+                <a:spcPct val="110000"/>
+              </a:lnSpc>
               <a:buNone/>
             </a:pPr>
             <a:r>
@@ -7639,21 +7881,7 @@
                 <a:latin typeface="Times New Roman" panose="02020603050405020304" pitchFamily="18" charset="0"/>
                 <a:cs typeface="Times New Roman" panose="02020603050405020304" pitchFamily="18" charset="0"/>
               </a:rPr>
-              <a:t> system uses speech recognition to understand spoken words, AI translation to change the language, and text-to-speech to speak the translation </a:t>
-            </a:r>
-            <a:r>
-              <a:rPr lang="en-US" sz="3200" dirty="0" err="1">
-                <a:latin typeface="Times New Roman" panose="02020603050405020304" pitchFamily="18" charset="0"/>
-                <a:cs typeface="Times New Roman" panose="02020603050405020304" pitchFamily="18" charset="0"/>
-              </a:rPr>
-              <a:t>clearly.This</a:t>
-            </a:r>
-            <a:r>
-              <a:rPr lang="en-US" sz="3200" dirty="0">
-                <a:latin typeface="Times New Roman" panose="02020603050405020304" pitchFamily="18" charset="0"/>
-                <a:cs typeface="Times New Roman" panose="02020603050405020304" pitchFamily="18" charset="0"/>
-              </a:rPr>
-              <a:t> project makes communication easier for people who don’t share the same language. It can be used in travel, education, meetings, or customer service to help remove language barriers and connect people around the world.</a:t>
+              <a:t> system uses speech recognition to understand spoken words, AI translation to change the language, and text-to-speech to speak the translation clearly. This project makes communication easier for people who don’t share the same language. It can be used in travel, education, meetings, or customer service to help remove language barriers and connect people around the world.</a:t>
             </a:r>
           </a:p>
         </p:txBody>
@@ -8030,7 +8258,7 @@
           <a:lstStyle/>
           <a:p>
             <a:r>
-              <a:rPr lang="en-US" sz="4000">
+              <a:rPr lang="en-US" sz="4000" dirty="0">
                 <a:solidFill>
                   <a:srgbClr val="FFFFFF"/>
                 </a:solidFill>
@@ -8058,7 +8286,7 @@
             <p:ph idx="1"/>
             <p:extLst>
               <p:ext uri="{D42A27DB-BD31-4B8C-83A1-F6EECF244321}">
-                <p14:modId xmlns:p14="http://schemas.microsoft.com/office/powerpoint/2010/main" val="380090554"/>
+                <p14:modId xmlns:p14="http://schemas.microsoft.com/office/powerpoint/2010/main" val="2115009015"/>
               </p:ext>
             </p:extLst>
           </p:nvPr>
@@ -8284,7 +8512,7 @@
                     <a:p>
                       <a:pPr algn="just"/>
                       <a:r>
-                        <a:rPr lang="en-US" sz="1900">
+                        <a:rPr lang="en-US" sz="1900" dirty="0">
                           <a:latin typeface="Times New Roman" panose="02020603050405020304" pitchFamily="18" charset="0"/>
                           <a:cs typeface="Times New Roman" panose="02020603050405020304" pitchFamily="18" charset="0"/>
                         </a:rPr>
@@ -8294,31 +8522,45 @@
                     <a:p>
                       <a:pPr algn="just"/>
                       <a:r>
-                        <a:rPr lang="en-US" sz="1900">
+                        <a:rPr lang="en-US" sz="1900" dirty="0">
                           <a:latin typeface="Times New Roman" panose="02020603050405020304" pitchFamily="18" charset="0"/>
                           <a:cs typeface="Times New Roman" panose="02020603050405020304" pitchFamily="18" charset="0"/>
                         </a:rPr>
-                        <a:t>K. Krstovski,</a:t>
+                        <a:t>K. </a:t>
+                      </a:r>
+                      <a:r>
+                        <a:rPr lang="en-US" sz="1900" dirty="0" err="1">
+                          <a:latin typeface="Times New Roman" panose="02020603050405020304" pitchFamily="18" charset="0"/>
+                          <a:cs typeface="Times New Roman" panose="02020603050405020304" pitchFamily="18" charset="0"/>
+                        </a:rPr>
+                        <a:t>Krstovski</a:t>
+                      </a:r>
+                      <a:r>
+                        <a:rPr lang="en-US" sz="1900" dirty="0">
+                          <a:latin typeface="Times New Roman" panose="02020603050405020304" pitchFamily="18" charset="0"/>
+                          <a:cs typeface="Times New Roman" panose="02020603050405020304" pitchFamily="18" charset="0"/>
+                        </a:rPr>
+                        <a:t>,</a:t>
                       </a:r>
                     </a:p>
                     <a:p>
                       <a:pPr algn="just"/>
                       <a:r>
-                        <a:rPr lang="en-US" sz="1900">
+                        <a:rPr lang="en-US" sz="1900" dirty="0">
                           <a:latin typeface="Times New Roman" panose="02020603050405020304" pitchFamily="18" charset="0"/>
                           <a:cs typeface="Times New Roman" panose="02020603050405020304" pitchFamily="18" charset="0"/>
                         </a:rPr>
-                        <a:t> F. Choi,</a:t>
+                        <a:t>F. Choi,</a:t>
                       </a:r>
                     </a:p>
                     <a:p>
                       <a:pPr algn="just"/>
                       <a:r>
-                        <a:rPr lang="en-US" sz="1900">
+                        <a:rPr lang="en-US" sz="1900" dirty="0">
                           <a:latin typeface="Times New Roman" panose="02020603050405020304" pitchFamily="18" charset="0"/>
                           <a:cs typeface="Times New Roman" panose="02020603050405020304" pitchFamily="18" charset="0"/>
                         </a:rPr>
-                        <a:t> S. Saleem,</a:t>
+                        <a:t>S. Saleem,</a:t>
                       </a:r>
                     </a:p>
                   </a:txBody>
@@ -8548,7 +8790,7 @@
           <p:nvPr>
             <p:extLst>
               <p:ext uri="{D42A27DB-BD31-4B8C-83A1-F6EECF244321}">
-                <p14:modId xmlns:p14="http://schemas.microsoft.com/office/powerpoint/2010/main" val="2807128050"/>
+                <p14:modId xmlns:p14="http://schemas.microsoft.com/office/powerpoint/2010/main" val="3421303379"/>
               </p:ext>
             </p:extLst>
           </p:nvPr>
@@ -8802,7 +9044,7 @@
                           <a:latin typeface="Times New Roman" panose="02020603050405020304" pitchFamily="18" charset="0"/>
                           <a:cs typeface="Times New Roman" panose="02020603050405020304" pitchFamily="18" charset="0"/>
                         </a:rPr>
-                        <a:t> Ejaz Sayyed,</a:t>
+                        <a:t>Ejaz Sayyed,</a:t>
                       </a:r>
                     </a:p>
                     <a:p>
@@ -8812,7 +9054,7 @@
                           <a:latin typeface="Times New Roman" panose="02020603050405020304" pitchFamily="18" charset="0"/>
                           <a:cs typeface="Times New Roman" panose="02020603050405020304" pitchFamily="18" charset="0"/>
                         </a:rPr>
-                        <a:t> Sarang Jagdale,</a:t>
+                        <a:t>Sarang Jagdale,</a:t>
                       </a:r>
                     </a:p>
                     <a:p>
@@ -8822,7 +9064,7 @@
                           <a:latin typeface="Times New Roman" panose="02020603050405020304" pitchFamily="18" charset="0"/>
                           <a:cs typeface="Times New Roman" panose="02020603050405020304" pitchFamily="18" charset="0"/>
                         </a:rPr>
-                        <a:t> Prof. Rachika</a:t>
+                        <a:t>Prof. Rachika</a:t>
                       </a:r>
                     </a:p>
                     <a:p>
@@ -8832,7 +9074,7 @@
                           <a:latin typeface="Times New Roman" panose="02020603050405020304" pitchFamily="18" charset="0"/>
                           <a:cs typeface="Times New Roman" panose="02020603050405020304" pitchFamily="18" charset="0"/>
                         </a:rPr>
-                        <a:t> Waghmare</a:t>
+                        <a:t>Waghmare</a:t>
                       </a:r>
                     </a:p>
                   </a:txBody>
@@ -8941,13 +9183,6 @@
                     <a:p>
                       <a:pPr algn="just"/>
                       <a:r>
-                        <a:rPr lang="en-US" sz="2000" dirty="0">
-                          <a:latin typeface="Times New Roman" panose="02020603050405020304" pitchFamily="18" charset="0"/>
-                          <a:cs typeface="Times New Roman" panose="02020603050405020304" pitchFamily="18" charset="0"/>
-                        </a:rPr>
-                        <a:t> </a:t>
-                      </a:r>
-                      <a:r>
                         <a:rPr lang="en-US" sz="2000" dirty="0" err="1">
                           <a:latin typeface="Times New Roman" panose="02020603050405020304" pitchFamily="18" charset="0"/>
                           <a:cs typeface="Times New Roman" panose="02020603050405020304" pitchFamily="18" charset="0"/>
@@ -8969,7 +9204,7 @@
                           <a:latin typeface="Times New Roman" panose="02020603050405020304" pitchFamily="18" charset="0"/>
                           <a:cs typeface="Times New Roman" panose="02020603050405020304" pitchFamily="18" charset="0"/>
                         </a:rPr>
-                        <a:t> Amruta Patole,</a:t>
+                        <a:t>Amruta Patole,</a:t>
                       </a:r>
                     </a:p>
                     <a:p>
@@ -8979,7 +9214,7 @@
                           <a:latin typeface="Times New Roman" panose="02020603050405020304" pitchFamily="18" charset="0"/>
                           <a:cs typeface="Times New Roman" panose="02020603050405020304" pitchFamily="18" charset="0"/>
                         </a:rPr>
-                        <a:t> Nikat Attar</a:t>
+                        <a:t>Nikat Attar</a:t>
                       </a:r>
                     </a:p>
                   </a:txBody>
@@ -9296,7 +9531,7 @@
           <a:lstStyle/>
           <a:p>
             <a:r>
-              <a:rPr lang="en-US" b="1">
+              <a:rPr lang="en-US" b="1" dirty="0">
                 <a:solidFill>
                   <a:srgbClr val="FFFFFF"/>
                 </a:solidFill>
@@ -9307,7 +9542,7 @@
               </a:rPr>
               <a:t>Problem Statement</a:t>
             </a:r>
-            <a:endParaRPr lang="en-US" b="1">
+            <a:endParaRPr lang="en-US" b="1" dirty="0">
               <a:solidFill>
                 <a:srgbClr val="FFFFFF"/>
               </a:solidFill>
@@ -9687,7 +9922,7 @@
           <a:lstStyle/>
           <a:p>
             <a:r>
-              <a:rPr lang="en-US" b="1">
+              <a:rPr lang="en-US" b="1" dirty="0">
                 <a:solidFill>
                   <a:srgbClr val="FFFFFF"/>
                 </a:solidFill>
@@ -9698,7 +9933,7 @@
               </a:rPr>
               <a:t>Existing System</a:t>
             </a:r>
-            <a:endParaRPr lang="en-US" b="1">
+            <a:endParaRPr lang="en-US" b="1" dirty="0">
               <a:solidFill>
                 <a:srgbClr val="FFFFFF"/>
               </a:solidFill>
@@ -9983,60 +10218,6 @@
       </p:sp>
       <p:sp>
         <p:nvSpPr>
-          <p:cNvPr id="2" name="Title 1">
-            <a:extLst>
-              <a:ext uri="{FF2B5EF4-FFF2-40B4-BE49-F238E27FC236}">
-                <a16:creationId xmlns:a16="http://schemas.microsoft.com/office/drawing/2014/main" id="{79F8CABE-4CFB-6D8A-B6DA-62F730D78AA4}"/>
-              </a:ext>
-            </a:extLst>
-          </p:cNvPr>
-          <p:cNvSpPr>
-            <a:spLocks noGrp="1"/>
-          </p:cNvSpPr>
-          <p:nvPr>
-            <p:ph type="title"/>
-          </p:nvPr>
-        </p:nvSpPr>
-        <p:spPr>
-          <a:xfrm>
-            <a:off x="640080" y="2074363"/>
-            <a:ext cx="2752354" cy="2709275"/>
-          </a:xfrm>
-          <a:prstGeom prst="ellipse">
-            <a:avLst/>
-          </a:prstGeom>
-          <a:solidFill>
-            <a:schemeClr val="accent2"/>
-          </a:solidFill>
-          <a:ln w="174625" cmpd="thinThick">
-            <a:solidFill>
-              <a:srgbClr val="262626"/>
-            </a:solidFill>
-          </a:ln>
-        </p:spPr>
-        <p:txBody>
-          <a:bodyPr vert="horz" lIns="91440" tIns="45720" rIns="91440" bIns="45720" rtlCol="0" anchor="ctr">
-            <a:normAutofit/>
-          </a:bodyPr>
-          <a:lstStyle/>
-          <a:p>
-            <a:pPr algn="ctr"/>
-            <a:r>
-              <a:rPr lang="en-US" sz="2400" b="1" kern="1200" dirty="0">
-                <a:solidFill>
-                  <a:srgbClr val="FFFFFF"/>
-                </a:solidFill>
-                <a:latin typeface="+mj-lt"/>
-                <a:ea typeface="+mj-ea"/>
-                <a:cs typeface="+mj-cs"/>
-              </a:rPr>
-              <a:t>Methodology </a:t>
-            </a:r>
-          </a:p>
-        </p:txBody>
-      </p:sp>
-      <p:sp>
-        <p:nvSpPr>
           <p:cNvPr id="7" name="Content Placeholder 6">
             <a:extLst>
               <a:ext uri="{FF2B5EF4-FFF2-40B4-BE49-F238E27FC236}">
@@ -10053,7 +10234,7 @@
         </p:nvSpPr>
         <p:spPr>
           <a:xfrm flipV="1">
-            <a:off x="1484310" y="7361382"/>
+            <a:off x="1189670" y="7361382"/>
             <a:ext cx="10018713" cy="314036"/>
           </a:xfrm>
         </p:spPr>
@@ -10089,7 +10270,7 @@
         </p:nvSpPr>
         <p:spPr>
           <a:xfrm>
-            <a:off x="884903" y="7518400"/>
+            <a:off x="590263" y="7518400"/>
             <a:ext cx="9212405" cy="5523346"/>
           </a:xfrm>
           <a:prstGeom prst="rect">
@@ -10213,7 +10394,7 @@
       </p:sp>
       <p:pic>
         <p:nvPicPr>
-          <p:cNvPr id="5" name="Picture 4" descr="A diagram of a voice translation system&#10;&#10;AI-generated content may be incorrect.">
+          <p:cNvPr id="5" name="Picture 4">
             <a:extLst>
               <a:ext uri="{FF2B5EF4-FFF2-40B4-BE49-F238E27FC236}">
                 <a16:creationId xmlns:a16="http://schemas.microsoft.com/office/drawing/2014/main" id="{7B5D2141-A931-D107-79D0-B42EC30CCC7D}"/>
@@ -10233,20 +10414,82 @@
               </a:ext>
             </a:extLst>
           </a:blip>
+          <a:srcRect t="9099" r="1271"/>
           <a:stretch>
             <a:fillRect/>
           </a:stretch>
         </p:blipFill>
         <p:spPr>
           <a:xfrm>
-            <a:off x="3399444" y="217967"/>
-            <a:ext cx="8799566" cy="6422065"/>
+            <a:off x="2719680" y="108156"/>
+            <a:ext cx="9264532" cy="6229518"/>
           </a:xfrm>
           <a:prstGeom prst="rect">
             <a:avLst/>
           </a:prstGeom>
         </p:spPr>
       </p:pic>
+      <p:sp>
+        <p:nvSpPr>
+          <p:cNvPr id="2" name="Title 1">
+            <a:extLst>
+              <a:ext uri="{FF2B5EF4-FFF2-40B4-BE49-F238E27FC236}">
+                <a16:creationId xmlns:a16="http://schemas.microsoft.com/office/drawing/2014/main" id="{79F8CABE-4CFB-6D8A-B6DA-62F730D78AA4}"/>
+              </a:ext>
+            </a:extLst>
+          </p:cNvPr>
+          <p:cNvSpPr>
+            <a:spLocks noGrp="1"/>
+          </p:cNvSpPr>
+          <p:nvPr>
+            <p:ph type="title"/>
+          </p:nvPr>
+        </p:nvSpPr>
+        <p:spPr>
+          <a:xfrm>
+            <a:off x="345440" y="2074363"/>
+            <a:ext cx="2752354" cy="2709275"/>
+          </a:xfrm>
+          <a:prstGeom prst="ellipse">
+            <a:avLst/>
+          </a:prstGeom>
+          <a:solidFill>
+            <a:schemeClr val="accent2"/>
+          </a:solidFill>
+          <a:ln w="174625" cmpd="thinThick">
+            <a:solidFill>
+              <a:srgbClr val="262626"/>
+            </a:solidFill>
+          </a:ln>
+        </p:spPr>
+        <p:txBody>
+          <a:bodyPr vert="horz" lIns="91440" tIns="45720" rIns="91440" bIns="45720" rtlCol="0" anchor="ctr">
+            <a:normAutofit/>
+          </a:bodyPr>
+          <a:lstStyle/>
+          <a:p>
+            <a:pPr algn="ctr"/>
+            <a:r>
+              <a:rPr lang="en-US" sz="2400" b="1" kern="1200" dirty="0">
+                <a:solidFill>
+                  <a:srgbClr val="FFFFFF"/>
+                </a:solidFill>
+                <a:latin typeface="Times New Roman" panose="02020603050405020304" pitchFamily="18" charset="0"/>
+                <a:cs typeface="Times New Roman" panose="02020603050405020304" pitchFamily="18" charset="0"/>
+              </a:rPr>
+              <a:t>Methodology</a:t>
+            </a:r>
+            <a:r>
+              <a:rPr lang="en-US" sz="2400" b="1" kern="1200" dirty="0">
+                <a:solidFill>
+                  <a:srgbClr val="FFFFFF"/>
+                </a:solidFill>
+              </a:rPr>
+              <a:t> </a:t>
+            </a:r>
+          </a:p>
+        </p:txBody>
+      </p:sp>
     </p:spTree>
     <p:extLst>
       <p:ext uri="{BB962C8B-B14F-4D97-AF65-F5344CB8AC3E}">
@@ -10621,7 +10864,7 @@
           </a:bodyPr>
           <a:lstStyle/>
           <a:p>
-            <a:pPr>
+            <a:pPr algn="just">
               <a:buFont typeface="Wingdings" panose="05000000000000000000" pitchFamily="2" charset="2"/>
               <a:buChar char="v"/>
             </a:pPr>
@@ -10634,7 +10877,7 @@
             </a:r>
           </a:p>
           <a:p>
-            <a:pPr>
+            <a:pPr algn="just">
               <a:buFont typeface="Wingdings" panose="05000000000000000000" pitchFamily="2" charset="2"/>
               <a:buChar char="v"/>
             </a:pPr>
@@ -10647,7 +10890,7 @@
             </a:r>
           </a:p>
           <a:p>
-            <a:pPr>
+            <a:pPr algn="just">
               <a:buFont typeface="Wingdings" panose="05000000000000000000" pitchFamily="2" charset="2"/>
               <a:buChar char="v"/>
             </a:pPr>
@@ -10660,7 +10903,7 @@
             </a:r>
           </a:p>
           <a:p>
-            <a:pPr>
+            <a:pPr algn="just">
               <a:buFont typeface="Wingdings" panose="05000000000000000000" pitchFamily="2" charset="2"/>
               <a:buChar char="v"/>
             </a:pPr>
@@ -10673,7 +10916,7 @@
             </a:r>
           </a:p>
           <a:p>
-            <a:pPr>
+            <a:pPr algn="just">
               <a:buFont typeface="Wingdings" panose="05000000000000000000" pitchFamily="2" charset="2"/>
               <a:buChar char="v"/>
             </a:pPr>
